--- a/Грибов Виталий ИСП23В11.pptx
+++ b/Грибов Виталий ИСП23В11.pptx
@@ -21,6 +21,7 @@
     <p:sldId id="265" r:id="rId16"/>
     <p:sldId id="266" r:id="rId17"/>
     <p:sldId id="267" r:id="rId18"/>
+    <p:sldId id="268" r:id="rId19"/>
   </p:sldIdLst>
   <p:sldSz cx="12192000" cy="6858000"/>
   <p:notesSz cx="7559675" cy="10691812"/>
@@ -90,11 +91,9 @@
             <a:spAutoFit/>
           </a:bodyPr>
           <a:p>
-            <a:endParaRPr b="0" lang="ru-RU" sz="1800" spc="-1" strike="noStrike">
-              <a:solidFill>
-                <a:srgbClr val="fefffe"/>
-              </a:solidFill>
-              <a:latin typeface="CoFo Sans"/>
+            <a:pPr algn="ctr"/>
+            <a:endParaRPr b="0" lang="ru-RU" sz="4400" spc="-1" strike="noStrike">
+              <a:latin typeface="Arial"/>
             </a:endParaRPr>
           </a:p>
         </p:txBody>
@@ -123,11 +122,8 @@
             <a:normAutofit/>
           </a:bodyPr>
           <a:p>
-            <a:endParaRPr b="0" lang="ru-RU" sz="2800" spc="-1" strike="noStrike">
-              <a:solidFill>
-                <a:srgbClr val="fefffe"/>
-              </a:solidFill>
-              <a:latin typeface="CoFo Sans"/>
+            <a:endParaRPr b="0" lang="ru-RU" sz="3200" spc="-1" strike="noStrike">
+              <a:latin typeface="Arial"/>
             </a:endParaRPr>
           </a:p>
         </p:txBody>
@@ -156,11 +152,8 @@
             <a:normAutofit/>
           </a:bodyPr>
           <a:p>
-            <a:endParaRPr b="0" lang="ru-RU" sz="2800" spc="-1" strike="noStrike">
-              <a:solidFill>
-                <a:srgbClr val="fefffe"/>
-              </a:solidFill>
-              <a:latin typeface="CoFo Sans"/>
+            <a:endParaRPr b="0" lang="ru-RU" sz="3200" spc="-1" strike="noStrike">
+              <a:latin typeface="Arial"/>
             </a:endParaRPr>
           </a:p>
         </p:txBody>
@@ -211,11 +204,9 @@
             <a:spAutoFit/>
           </a:bodyPr>
           <a:p>
-            <a:endParaRPr b="0" lang="ru-RU" sz="1800" spc="-1" strike="noStrike">
-              <a:solidFill>
-                <a:srgbClr val="fefffe"/>
-              </a:solidFill>
-              <a:latin typeface="CoFo Sans"/>
+            <a:pPr algn="ctr"/>
+            <a:endParaRPr b="0" lang="ru-RU" sz="4400" spc="-1" strike="noStrike">
+              <a:latin typeface="Arial"/>
             </a:endParaRPr>
           </a:p>
         </p:txBody>
@@ -244,11 +235,8 @@
             <a:normAutofit/>
           </a:bodyPr>
           <a:p>
-            <a:endParaRPr b="0" lang="ru-RU" sz="2800" spc="-1" strike="noStrike">
-              <a:solidFill>
-                <a:srgbClr val="fefffe"/>
-              </a:solidFill>
-              <a:latin typeface="CoFo Sans"/>
+            <a:endParaRPr b="0" lang="ru-RU" sz="3200" spc="-1" strike="noStrike">
+              <a:latin typeface="Arial"/>
             </a:endParaRPr>
           </a:p>
         </p:txBody>
@@ -277,11 +265,8 @@
             <a:normAutofit/>
           </a:bodyPr>
           <a:p>
-            <a:endParaRPr b="0" lang="ru-RU" sz="2800" spc="-1" strike="noStrike">
-              <a:solidFill>
-                <a:srgbClr val="fefffe"/>
-              </a:solidFill>
-              <a:latin typeface="CoFo Sans"/>
+            <a:endParaRPr b="0" lang="ru-RU" sz="3200" spc="-1" strike="noStrike">
+              <a:latin typeface="Arial"/>
             </a:endParaRPr>
           </a:p>
         </p:txBody>
@@ -310,11 +295,8 @@
             <a:normAutofit/>
           </a:bodyPr>
           <a:p>
-            <a:endParaRPr b="0" lang="ru-RU" sz="2800" spc="-1" strike="noStrike">
-              <a:solidFill>
-                <a:srgbClr val="fefffe"/>
-              </a:solidFill>
-              <a:latin typeface="CoFo Sans"/>
+            <a:endParaRPr b="0" lang="ru-RU" sz="3200" spc="-1" strike="noStrike">
+              <a:latin typeface="Arial"/>
             </a:endParaRPr>
           </a:p>
         </p:txBody>
@@ -343,11 +325,8 @@
             <a:normAutofit/>
           </a:bodyPr>
           <a:p>
-            <a:endParaRPr b="0" lang="ru-RU" sz="2800" spc="-1" strike="noStrike">
-              <a:solidFill>
-                <a:srgbClr val="fefffe"/>
-              </a:solidFill>
-              <a:latin typeface="CoFo Sans"/>
+            <a:endParaRPr b="0" lang="ru-RU" sz="3200" spc="-1" strike="noStrike">
+              <a:latin typeface="Arial"/>
             </a:endParaRPr>
           </a:p>
         </p:txBody>
@@ -398,11 +377,9 @@
             <a:spAutoFit/>
           </a:bodyPr>
           <a:p>
-            <a:endParaRPr b="0" lang="ru-RU" sz="1800" spc="-1" strike="noStrike">
-              <a:solidFill>
-                <a:srgbClr val="fefffe"/>
-              </a:solidFill>
-              <a:latin typeface="CoFo Sans"/>
+            <a:pPr algn="ctr"/>
+            <a:endParaRPr b="0" lang="ru-RU" sz="4400" spc="-1" strike="noStrike">
+              <a:latin typeface="Arial"/>
             </a:endParaRPr>
           </a:p>
         </p:txBody>
@@ -431,11 +408,8 @@
             <a:normAutofit/>
           </a:bodyPr>
           <a:p>
-            <a:endParaRPr b="0" lang="ru-RU" sz="2800" spc="-1" strike="noStrike">
-              <a:solidFill>
-                <a:srgbClr val="fefffe"/>
-              </a:solidFill>
-              <a:latin typeface="CoFo Sans"/>
+            <a:endParaRPr b="0" lang="ru-RU" sz="3200" spc="-1" strike="noStrike">
+              <a:latin typeface="Arial"/>
             </a:endParaRPr>
           </a:p>
         </p:txBody>
@@ -464,11 +438,8 @@
             <a:normAutofit/>
           </a:bodyPr>
           <a:p>
-            <a:endParaRPr b="0" lang="ru-RU" sz="2800" spc="-1" strike="noStrike">
-              <a:solidFill>
-                <a:srgbClr val="fefffe"/>
-              </a:solidFill>
-              <a:latin typeface="CoFo Sans"/>
+            <a:endParaRPr b="0" lang="ru-RU" sz="3200" spc="-1" strike="noStrike">
+              <a:latin typeface="Arial"/>
             </a:endParaRPr>
           </a:p>
         </p:txBody>
@@ -497,11 +468,8 @@
             <a:normAutofit/>
           </a:bodyPr>
           <a:p>
-            <a:endParaRPr b="0" lang="ru-RU" sz="2800" spc="-1" strike="noStrike">
-              <a:solidFill>
-                <a:srgbClr val="fefffe"/>
-              </a:solidFill>
-              <a:latin typeface="CoFo Sans"/>
+            <a:endParaRPr b="0" lang="ru-RU" sz="3200" spc="-1" strike="noStrike">
+              <a:latin typeface="Arial"/>
             </a:endParaRPr>
           </a:p>
         </p:txBody>
@@ -530,11 +498,8 @@
             <a:normAutofit/>
           </a:bodyPr>
           <a:p>
-            <a:endParaRPr b="0" lang="ru-RU" sz="2800" spc="-1" strike="noStrike">
-              <a:solidFill>
-                <a:srgbClr val="fefffe"/>
-              </a:solidFill>
-              <a:latin typeface="CoFo Sans"/>
+            <a:endParaRPr b="0" lang="ru-RU" sz="3200" spc="-1" strike="noStrike">
+              <a:latin typeface="Arial"/>
             </a:endParaRPr>
           </a:p>
         </p:txBody>
@@ -563,11 +528,8 @@
             <a:normAutofit/>
           </a:bodyPr>
           <a:p>
-            <a:endParaRPr b="0" lang="ru-RU" sz="2800" spc="-1" strike="noStrike">
-              <a:solidFill>
-                <a:srgbClr val="fefffe"/>
-              </a:solidFill>
-              <a:latin typeface="CoFo Sans"/>
+            <a:endParaRPr b="0" lang="ru-RU" sz="3200" spc="-1" strike="noStrike">
+              <a:latin typeface="Arial"/>
             </a:endParaRPr>
           </a:p>
         </p:txBody>
@@ -596,11 +558,8 @@
             <a:normAutofit/>
           </a:bodyPr>
           <a:p>
-            <a:endParaRPr b="0" lang="ru-RU" sz="2800" spc="-1" strike="noStrike">
-              <a:solidFill>
-                <a:srgbClr val="fefffe"/>
-              </a:solidFill>
-              <a:latin typeface="CoFo Sans"/>
+            <a:endParaRPr b="0" lang="ru-RU" sz="3200" spc="-1" strike="noStrike">
+              <a:latin typeface="Arial"/>
             </a:endParaRPr>
           </a:p>
         </p:txBody>
@@ -673,11 +632,9 @@
             <a:spAutoFit/>
           </a:bodyPr>
           <a:p>
-            <a:endParaRPr b="0" lang="ru-RU" sz="1800" spc="-1" strike="noStrike">
-              <a:solidFill>
-                <a:srgbClr val="fefffe"/>
-              </a:solidFill>
-              <a:latin typeface="CoFo Sans"/>
+            <a:pPr algn="ctr"/>
+            <a:endParaRPr b="0" lang="ru-RU" sz="4400" spc="-1" strike="noStrike">
+              <a:latin typeface="Arial"/>
             </a:endParaRPr>
           </a:p>
         </p:txBody>
@@ -759,11 +716,9 @@
             <a:spAutoFit/>
           </a:bodyPr>
           <a:p>
-            <a:endParaRPr b="0" lang="ru-RU" sz="1800" spc="-1" strike="noStrike">
-              <a:solidFill>
-                <a:srgbClr val="fefffe"/>
-              </a:solidFill>
-              <a:latin typeface="CoFo Sans"/>
+            <a:pPr algn="ctr"/>
+            <a:endParaRPr b="0" lang="ru-RU" sz="4400" spc="-1" strike="noStrike">
+              <a:latin typeface="Arial"/>
             </a:endParaRPr>
           </a:p>
         </p:txBody>
@@ -792,11 +747,8 @@
             <a:normAutofit/>
           </a:bodyPr>
           <a:p>
-            <a:endParaRPr b="0" lang="ru-RU" sz="2800" spc="-1" strike="noStrike">
-              <a:solidFill>
-                <a:srgbClr val="fefffe"/>
-              </a:solidFill>
-              <a:latin typeface="CoFo Sans"/>
+            <a:endParaRPr b="0" lang="ru-RU" sz="3200" spc="-1" strike="noStrike">
+              <a:latin typeface="Arial"/>
             </a:endParaRPr>
           </a:p>
         </p:txBody>
@@ -847,11 +799,9 @@
             <a:spAutoFit/>
           </a:bodyPr>
           <a:p>
-            <a:endParaRPr b="0" lang="ru-RU" sz="1800" spc="-1" strike="noStrike">
-              <a:solidFill>
-                <a:srgbClr val="fefffe"/>
-              </a:solidFill>
-              <a:latin typeface="CoFo Sans"/>
+            <a:pPr algn="ctr"/>
+            <a:endParaRPr b="0" lang="ru-RU" sz="4400" spc="-1" strike="noStrike">
+              <a:latin typeface="Arial"/>
             </a:endParaRPr>
           </a:p>
         </p:txBody>
@@ -880,11 +830,8 @@
             <a:normAutofit/>
           </a:bodyPr>
           <a:p>
-            <a:endParaRPr b="0" lang="ru-RU" sz="2800" spc="-1" strike="noStrike">
-              <a:solidFill>
-                <a:srgbClr val="fefffe"/>
-              </a:solidFill>
-              <a:latin typeface="CoFo Sans"/>
+            <a:endParaRPr b="0" lang="ru-RU" sz="3200" spc="-1" strike="noStrike">
+              <a:latin typeface="Arial"/>
             </a:endParaRPr>
           </a:p>
         </p:txBody>
@@ -913,11 +860,8 @@
             <a:normAutofit/>
           </a:bodyPr>
           <a:p>
-            <a:endParaRPr b="0" lang="ru-RU" sz="2800" spc="-1" strike="noStrike">
-              <a:solidFill>
-                <a:srgbClr val="fefffe"/>
-              </a:solidFill>
-              <a:latin typeface="CoFo Sans"/>
+            <a:endParaRPr b="0" lang="ru-RU" sz="3200" spc="-1" strike="noStrike">
+              <a:latin typeface="Arial"/>
             </a:endParaRPr>
           </a:p>
         </p:txBody>
@@ -968,11 +912,9 @@
             <a:spAutoFit/>
           </a:bodyPr>
           <a:p>
-            <a:endParaRPr b="0" lang="ru-RU" sz="1800" spc="-1" strike="noStrike">
-              <a:solidFill>
-                <a:srgbClr val="fefffe"/>
-              </a:solidFill>
-              <a:latin typeface="CoFo Sans"/>
+            <a:pPr algn="ctr"/>
+            <a:endParaRPr b="0" lang="ru-RU" sz="4400" spc="-1" strike="noStrike">
+              <a:latin typeface="Arial"/>
             </a:endParaRPr>
           </a:p>
         </p:txBody>
@@ -1076,11 +1018,9 @@
             <a:spAutoFit/>
           </a:bodyPr>
           <a:p>
-            <a:endParaRPr b="0" lang="ru-RU" sz="1800" spc="-1" strike="noStrike">
-              <a:solidFill>
-                <a:srgbClr val="fefffe"/>
-              </a:solidFill>
-              <a:latin typeface="CoFo Sans"/>
+            <a:pPr algn="ctr"/>
+            <a:endParaRPr b="0" lang="ru-RU" sz="4400" spc="-1" strike="noStrike">
+              <a:latin typeface="Arial"/>
             </a:endParaRPr>
           </a:p>
         </p:txBody>
@@ -1109,11 +1049,8 @@
             <a:normAutofit/>
           </a:bodyPr>
           <a:p>
-            <a:endParaRPr b="0" lang="ru-RU" sz="2800" spc="-1" strike="noStrike">
-              <a:solidFill>
-                <a:srgbClr val="fefffe"/>
-              </a:solidFill>
-              <a:latin typeface="CoFo Sans"/>
+            <a:endParaRPr b="0" lang="ru-RU" sz="3200" spc="-1" strike="noStrike">
+              <a:latin typeface="Arial"/>
             </a:endParaRPr>
           </a:p>
         </p:txBody>
@@ -1142,11 +1079,8 @@
             <a:normAutofit/>
           </a:bodyPr>
           <a:p>
-            <a:endParaRPr b="0" lang="ru-RU" sz="2800" spc="-1" strike="noStrike">
-              <a:solidFill>
-                <a:srgbClr val="fefffe"/>
-              </a:solidFill>
-              <a:latin typeface="CoFo Sans"/>
+            <a:endParaRPr b="0" lang="ru-RU" sz="3200" spc="-1" strike="noStrike">
+              <a:latin typeface="Arial"/>
             </a:endParaRPr>
           </a:p>
         </p:txBody>
@@ -1175,11 +1109,8 @@
             <a:normAutofit/>
           </a:bodyPr>
           <a:p>
-            <a:endParaRPr b="0" lang="ru-RU" sz="2800" spc="-1" strike="noStrike">
-              <a:solidFill>
-                <a:srgbClr val="fefffe"/>
-              </a:solidFill>
-              <a:latin typeface="CoFo Sans"/>
+            <a:endParaRPr b="0" lang="ru-RU" sz="3200" spc="-1" strike="noStrike">
+              <a:latin typeface="Arial"/>
             </a:endParaRPr>
           </a:p>
         </p:txBody>
@@ -1230,11 +1161,9 @@
             <a:spAutoFit/>
           </a:bodyPr>
           <a:p>
-            <a:endParaRPr b="0" lang="ru-RU" sz="1800" spc="-1" strike="noStrike">
-              <a:solidFill>
-                <a:srgbClr val="fefffe"/>
-              </a:solidFill>
-              <a:latin typeface="CoFo Sans"/>
+            <a:pPr algn="ctr"/>
+            <a:endParaRPr b="0" lang="ru-RU" sz="4400" spc="-1" strike="noStrike">
+              <a:latin typeface="Arial"/>
             </a:endParaRPr>
           </a:p>
         </p:txBody>
@@ -1316,11 +1245,9 @@
             <a:spAutoFit/>
           </a:bodyPr>
           <a:p>
-            <a:endParaRPr b="0" lang="ru-RU" sz="1800" spc="-1" strike="noStrike">
-              <a:solidFill>
-                <a:srgbClr val="fefffe"/>
-              </a:solidFill>
-              <a:latin typeface="CoFo Sans"/>
+            <a:pPr algn="ctr"/>
+            <a:endParaRPr b="0" lang="ru-RU" sz="4400" spc="-1" strike="noStrike">
+              <a:latin typeface="Arial"/>
             </a:endParaRPr>
           </a:p>
         </p:txBody>
@@ -1349,11 +1276,8 @@
             <a:normAutofit/>
           </a:bodyPr>
           <a:p>
-            <a:endParaRPr b="0" lang="ru-RU" sz="2800" spc="-1" strike="noStrike">
-              <a:solidFill>
-                <a:srgbClr val="fefffe"/>
-              </a:solidFill>
-              <a:latin typeface="CoFo Sans"/>
+            <a:endParaRPr b="0" lang="ru-RU" sz="3200" spc="-1" strike="noStrike">
+              <a:latin typeface="Arial"/>
             </a:endParaRPr>
           </a:p>
         </p:txBody>
@@ -1382,11 +1306,8 @@
             <a:normAutofit/>
           </a:bodyPr>
           <a:p>
-            <a:endParaRPr b="0" lang="ru-RU" sz="2800" spc="-1" strike="noStrike">
-              <a:solidFill>
-                <a:srgbClr val="fefffe"/>
-              </a:solidFill>
-              <a:latin typeface="CoFo Sans"/>
+            <a:endParaRPr b="0" lang="ru-RU" sz="3200" spc="-1" strike="noStrike">
+              <a:latin typeface="Arial"/>
             </a:endParaRPr>
           </a:p>
         </p:txBody>
@@ -1415,11 +1336,8 @@
             <a:normAutofit/>
           </a:bodyPr>
           <a:p>
-            <a:endParaRPr b="0" lang="ru-RU" sz="2800" spc="-1" strike="noStrike">
-              <a:solidFill>
-                <a:srgbClr val="fefffe"/>
-              </a:solidFill>
-              <a:latin typeface="CoFo Sans"/>
+            <a:endParaRPr b="0" lang="ru-RU" sz="3200" spc="-1" strike="noStrike">
+              <a:latin typeface="Arial"/>
             </a:endParaRPr>
           </a:p>
         </p:txBody>
@@ -1470,11 +1388,9 @@
             <a:spAutoFit/>
           </a:bodyPr>
           <a:p>
-            <a:endParaRPr b="0" lang="ru-RU" sz="1800" spc="-1" strike="noStrike">
-              <a:solidFill>
-                <a:srgbClr val="fefffe"/>
-              </a:solidFill>
-              <a:latin typeface="CoFo Sans"/>
+            <a:pPr algn="ctr"/>
+            <a:endParaRPr b="0" lang="ru-RU" sz="4400" spc="-1" strike="noStrike">
+              <a:latin typeface="Arial"/>
             </a:endParaRPr>
           </a:p>
         </p:txBody>
@@ -1503,11 +1419,8 @@
             <a:normAutofit/>
           </a:bodyPr>
           <a:p>
-            <a:endParaRPr b="0" lang="ru-RU" sz="2800" spc="-1" strike="noStrike">
-              <a:solidFill>
-                <a:srgbClr val="fefffe"/>
-              </a:solidFill>
-              <a:latin typeface="CoFo Sans"/>
+            <a:endParaRPr b="0" lang="ru-RU" sz="3200" spc="-1" strike="noStrike">
+              <a:latin typeface="Arial"/>
             </a:endParaRPr>
           </a:p>
         </p:txBody>
@@ -1536,11 +1449,8 @@
             <a:normAutofit/>
           </a:bodyPr>
           <a:p>
-            <a:endParaRPr b="0" lang="ru-RU" sz="2800" spc="-1" strike="noStrike">
-              <a:solidFill>
-                <a:srgbClr val="fefffe"/>
-              </a:solidFill>
-              <a:latin typeface="CoFo Sans"/>
+            <a:endParaRPr b="0" lang="ru-RU" sz="3200" spc="-1" strike="noStrike">
+              <a:latin typeface="Arial"/>
             </a:endParaRPr>
           </a:p>
         </p:txBody>
@@ -1569,11 +1479,8 @@
             <a:normAutofit/>
           </a:bodyPr>
           <a:p>
-            <a:endParaRPr b="0" lang="ru-RU" sz="2800" spc="-1" strike="noStrike">
-              <a:solidFill>
-                <a:srgbClr val="fefffe"/>
-              </a:solidFill>
-              <a:latin typeface="CoFo Sans"/>
+            <a:endParaRPr b="0" lang="ru-RU" sz="3200" spc="-1" strike="noStrike">
+              <a:latin typeface="Arial"/>
             </a:endParaRPr>
           </a:p>
         </p:txBody>
@@ -1624,11 +1531,9 @@
             <a:spAutoFit/>
           </a:bodyPr>
           <a:p>
-            <a:endParaRPr b="0" lang="ru-RU" sz="1800" spc="-1" strike="noStrike">
-              <a:solidFill>
-                <a:srgbClr val="fefffe"/>
-              </a:solidFill>
-              <a:latin typeface="CoFo Sans"/>
+            <a:pPr algn="ctr"/>
+            <a:endParaRPr b="0" lang="ru-RU" sz="4400" spc="-1" strike="noStrike">
+              <a:latin typeface="Arial"/>
             </a:endParaRPr>
           </a:p>
         </p:txBody>
@@ -1657,11 +1562,8 @@
             <a:normAutofit/>
           </a:bodyPr>
           <a:p>
-            <a:endParaRPr b="0" lang="ru-RU" sz="2800" spc="-1" strike="noStrike">
-              <a:solidFill>
-                <a:srgbClr val="fefffe"/>
-              </a:solidFill>
-              <a:latin typeface="CoFo Sans"/>
+            <a:endParaRPr b="0" lang="ru-RU" sz="3200" spc="-1" strike="noStrike">
+              <a:latin typeface="Arial"/>
             </a:endParaRPr>
           </a:p>
         </p:txBody>
@@ -1690,11 +1592,8 @@
             <a:normAutofit/>
           </a:bodyPr>
           <a:p>
-            <a:endParaRPr b="0" lang="ru-RU" sz="2800" spc="-1" strike="noStrike">
-              <a:solidFill>
-                <a:srgbClr val="fefffe"/>
-              </a:solidFill>
-              <a:latin typeface="CoFo Sans"/>
+            <a:endParaRPr b="0" lang="ru-RU" sz="3200" spc="-1" strike="noStrike">
+              <a:latin typeface="Arial"/>
             </a:endParaRPr>
           </a:p>
         </p:txBody>
@@ -1745,11 +1644,9 @@
             <a:spAutoFit/>
           </a:bodyPr>
           <a:p>
-            <a:endParaRPr b="0" lang="ru-RU" sz="1800" spc="-1" strike="noStrike">
-              <a:solidFill>
-                <a:srgbClr val="fefffe"/>
-              </a:solidFill>
-              <a:latin typeface="CoFo Sans"/>
+            <a:pPr algn="ctr"/>
+            <a:endParaRPr b="0" lang="ru-RU" sz="4400" spc="-1" strike="noStrike">
+              <a:latin typeface="Arial"/>
             </a:endParaRPr>
           </a:p>
         </p:txBody>
@@ -1778,11 +1675,8 @@
             <a:normAutofit/>
           </a:bodyPr>
           <a:p>
-            <a:endParaRPr b="0" lang="ru-RU" sz="2800" spc="-1" strike="noStrike">
-              <a:solidFill>
-                <a:srgbClr val="fefffe"/>
-              </a:solidFill>
-              <a:latin typeface="CoFo Sans"/>
+            <a:endParaRPr b="0" lang="ru-RU" sz="3200" spc="-1" strike="noStrike">
+              <a:latin typeface="Arial"/>
             </a:endParaRPr>
           </a:p>
         </p:txBody>
@@ -1811,11 +1705,8 @@
             <a:normAutofit/>
           </a:bodyPr>
           <a:p>
-            <a:endParaRPr b="0" lang="ru-RU" sz="2800" spc="-1" strike="noStrike">
-              <a:solidFill>
-                <a:srgbClr val="fefffe"/>
-              </a:solidFill>
-              <a:latin typeface="CoFo Sans"/>
+            <a:endParaRPr b="0" lang="ru-RU" sz="3200" spc="-1" strike="noStrike">
+              <a:latin typeface="Arial"/>
             </a:endParaRPr>
           </a:p>
         </p:txBody>
@@ -1844,11 +1735,8 @@
             <a:normAutofit/>
           </a:bodyPr>
           <a:p>
-            <a:endParaRPr b="0" lang="ru-RU" sz="2800" spc="-1" strike="noStrike">
-              <a:solidFill>
-                <a:srgbClr val="fefffe"/>
-              </a:solidFill>
-              <a:latin typeface="CoFo Sans"/>
+            <a:endParaRPr b="0" lang="ru-RU" sz="3200" spc="-1" strike="noStrike">
+              <a:latin typeface="Arial"/>
             </a:endParaRPr>
           </a:p>
         </p:txBody>
@@ -1877,11 +1765,8 @@
             <a:normAutofit/>
           </a:bodyPr>
           <a:p>
-            <a:endParaRPr b="0" lang="ru-RU" sz="2800" spc="-1" strike="noStrike">
-              <a:solidFill>
-                <a:srgbClr val="fefffe"/>
-              </a:solidFill>
-              <a:latin typeface="CoFo Sans"/>
+            <a:endParaRPr b="0" lang="ru-RU" sz="3200" spc="-1" strike="noStrike">
+              <a:latin typeface="Arial"/>
             </a:endParaRPr>
           </a:p>
         </p:txBody>
@@ -1932,11 +1817,9 @@
             <a:spAutoFit/>
           </a:bodyPr>
           <a:p>
-            <a:endParaRPr b="0" lang="ru-RU" sz="1800" spc="-1" strike="noStrike">
-              <a:solidFill>
-                <a:srgbClr val="fefffe"/>
-              </a:solidFill>
-              <a:latin typeface="CoFo Sans"/>
+            <a:pPr algn="ctr"/>
+            <a:endParaRPr b="0" lang="ru-RU" sz="4400" spc="-1" strike="noStrike">
+              <a:latin typeface="Arial"/>
             </a:endParaRPr>
           </a:p>
         </p:txBody>
@@ -1965,11 +1848,8 @@
             <a:normAutofit/>
           </a:bodyPr>
           <a:p>
-            <a:endParaRPr b="0" lang="ru-RU" sz="2800" spc="-1" strike="noStrike">
-              <a:solidFill>
-                <a:srgbClr val="fefffe"/>
-              </a:solidFill>
-              <a:latin typeface="CoFo Sans"/>
+            <a:endParaRPr b="0" lang="ru-RU" sz="3200" spc="-1" strike="noStrike">
+              <a:latin typeface="Arial"/>
             </a:endParaRPr>
           </a:p>
         </p:txBody>
@@ -1998,11 +1878,8 @@
             <a:normAutofit/>
           </a:bodyPr>
           <a:p>
-            <a:endParaRPr b="0" lang="ru-RU" sz="2800" spc="-1" strike="noStrike">
-              <a:solidFill>
-                <a:srgbClr val="fefffe"/>
-              </a:solidFill>
-              <a:latin typeface="CoFo Sans"/>
+            <a:endParaRPr b="0" lang="ru-RU" sz="3200" spc="-1" strike="noStrike">
+              <a:latin typeface="Arial"/>
             </a:endParaRPr>
           </a:p>
         </p:txBody>
@@ -2031,11 +1908,8 @@
             <a:normAutofit/>
           </a:bodyPr>
           <a:p>
-            <a:endParaRPr b="0" lang="ru-RU" sz="2800" spc="-1" strike="noStrike">
-              <a:solidFill>
-                <a:srgbClr val="fefffe"/>
-              </a:solidFill>
-              <a:latin typeface="CoFo Sans"/>
+            <a:endParaRPr b="0" lang="ru-RU" sz="3200" spc="-1" strike="noStrike">
+              <a:latin typeface="Arial"/>
             </a:endParaRPr>
           </a:p>
         </p:txBody>
@@ -2064,11 +1938,8 @@
             <a:normAutofit/>
           </a:bodyPr>
           <a:p>
-            <a:endParaRPr b="0" lang="ru-RU" sz="2800" spc="-1" strike="noStrike">
-              <a:solidFill>
-                <a:srgbClr val="fefffe"/>
-              </a:solidFill>
-              <a:latin typeface="CoFo Sans"/>
+            <a:endParaRPr b="0" lang="ru-RU" sz="3200" spc="-1" strike="noStrike">
+              <a:latin typeface="Arial"/>
             </a:endParaRPr>
           </a:p>
         </p:txBody>
@@ -2097,11 +1968,8 @@
             <a:normAutofit/>
           </a:bodyPr>
           <a:p>
-            <a:endParaRPr b="0" lang="ru-RU" sz="2800" spc="-1" strike="noStrike">
-              <a:solidFill>
-                <a:srgbClr val="fefffe"/>
-              </a:solidFill>
-              <a:latin typeface="CoFo Sans"/>
+            <a:endParaRPr b="0" lang="ru-RU" sz="3200" spc="-1" strike="noStrike">
+              <a:latin typeface="Arial"/>
             </a:endParaRPr>
           </a:p>
         </p:txBody>
@@ -2130,11 +1998,8 @@
             <a:normAutofit/>
           </a:bodyPr>
           <a:p>
-            <a:endParaRPr b="0" lang="ru-RU" sz="2800" spc="-1" strike="noStrike">
-              <a:solidFill>
-                <a:srgbClr val="fefffe"/>
-              </a:solidFill>
-              <a:latin typeface="CoFo Sans"/>
+            <a:endParaRPr b="0" lang="ru-RU" sz="3200" spc="-1" strike="noStrike">
+              <a:latin typeface="Arial"/>
             </a:endParaRPr>
           </a:p>
         </p:txBody>
@@ -2207,11 +2072,9 @@
             <a:spAutoFit/>
           </a:bodyPr>
           <a:p>
-            <a:endParaRPr b="0" lang="ru-RU" sz="1800" spc="-1" strike="noStrike">
-              <a:solidFill>
-                <a:srgbClr val="fefffe"/>
-              </a:solidFill>
-              <a:latin typeface="CoFo Sans"/>
+            <a:pPr algn="ctr"/>
+            <a:endParaRPr b="0" lang="ru-RU" sz="4400" spc="-1" strike="noStrike">
+              <a:latin typeface="Arial"/>
             </a:endParaRPr>
           </a:p>
         </p:txBody>
@@ -2293,11 +2156,9 @@
             <a:spAutoFit/>
           </a:bodyPr>
           <a:p>
-            <a:endParaRPr b="0" lang="ru-RU" sz="1800" spc="-1" strike="noStrike">
-              <a:solidFill>
-                <a:srgbClr val="fefffe"/>
-              </a:solidFill>
-              <a:latin typeface="CoFo Sans"/>
+            <a:pPr algn="ctr"/>
+            <a:endParaRPr b="0" lang="ru-RU" sz="4400" spc="-1" strike="noStrike">
+              <a:latin typeface="Arial"/>
             </a:endParaRPr>
           </a:p>
         </p:txBody>
@@ -2326,11 +2187,8 @@
             <a:normAutofit/>
           </a:bodyPr>
           <a:p>
-            <a:endParaRPr b="0" lang="ru-RU" sz="2800" spc="-1" strike="noStrike">
-              <a:solidFill>
-                <a:srgbClr val="fefffe"/>
-              </a:solidFill>
-              <a:latin typeface="CoFo Sans"/>
+            <a:endParaRPr b="0" lang="ru-RU" sz="3200" spc="-1" strike="noStrike">
+              <a:latin typeface="Arial"/>
             </a:endParaRPr>
           </a:p>
         </p:txBody>
@@ -2381,11 +2239,9 @@
             <a:spAutoFit/>
           </a:bodyPr>
           <a:p>
-            <a:endParaRPr b="0" lang="ru-RU" sz="1800" spc="-1" strike="noStrike">
-              <a:solidFill>
-                <a:srgbClr val="fefffe"/>
-              </a:solidFill>
-              <a:latin typeface="CoFo Sans"/>
+            <a:pPr algn="ctr"/>
+            <a:endParaRPr b="0" lang="ru-RU" sz="4400" spc="-1" strike="noStrike">
+              <a:latin typeface="Arial"/>
             </a:endParaRPr>
           </a:p>
         </p:txBody>
@@ -2414,11 +2270,8 @@
             <a:normAutofit/>
           </a:bodyPr>
           <a:p>
-            <a:endParaRPr b="0" lang="ru-RU" sz="2800" spc="-1" strike="noStrike">
-              <a:solidFill>
-                <a:srgbClr val="fefffe"/>
-              </a:solidFill>
-              <a:latin typeface="CoFo Sans"/>
+            <a:endParaRPr b="0" lang="ru-RU" sz="3200" spc="-1" strike="noStrike">
+              <a:latin typeface="Arial"/>
             </a:endParaRPr>
           </a:p>
         </p:txBody>
@@ -2447,11 +2300,8 @@
             <a:normAutofit/>
           </a:bodyPr>
           <a:p>
-            <a:endParaRPr b="0" lang="ru-RU" sz="2800" spc="-1" strike="noStrike">
-              <a:solidFill>
-                <a:srgbClr val="fefffe"/>
-              </a:solidFill>
-              <a:latin typeface="CoFo Sans"/>
+            <a:endParaRPr b="0" lang="ru-RU" sz="3200" spc="-1" strike="noStrike">
+              <a:latin typeface="Arial"/>
             </a:endParaRPr>
           </a:p>
         </p:txBody>
@@ -2502,11 +2352,9 @@
             <a:spAutoFit/>
           </a:bodyPr>
           <a:p>
-            <a:endParaRPr b="0" lang="ru-RU" sz="1800" spc="-1" strike="noStrike">
-              <a:solidFill>
-                <a:srgbClr val="fefffe"/>
-              </a:solidFill>
-              <a:latin typeface="CoFo Sans"/>
+            <a:pPr algn="ctr"/>
+            <a:endParaRPr b="0" lang="ru-RU" sz="4400" spc="-1" strike="noStrike">
+              <a:latin typeface="Arial"/>
             </a:endParaRPr>
           </a:p>
         </p:txBody>
@@ -2557,11 +2405,9 @@
             <a:spAutoFit/>
           </a:bodyPr>
           <a:p>
-            <a:endParaRPr b="0" lang="ru-RU" sz="1800" spc="-1" strike="noStrike">
-              <a:solidFill>
-                <a:srgbClr val="fefffe"/>
-              </a:solidFill>
-              <a:latin typeface="CoFo Sans"/>
+            <a:pPr algn="ctr"/>
+            <a:endParaRPr b="0" lang="ru-RU" sz="4400" spc="-1" strike="noStrike">
+              <a:latin typeface="Arial"/>
             </a:endParaRPr>
           </a:p>
         </p:txBody>
@@ -2590,11 +2436,8 @@
             <a:normAutofit/>
           </a:bodyPr>
           <a:p>
-            <a:endParaRPr b="0" lang="ru-RU" sz="2800" spc="-1" strike="noStrike">
-              <a:solidFill>
-                <a:srgbClr val="fefffe"/>
-              </a:solidFill>
-              <a:latin typeface="CoFo Sans"/>
+            <a:endParaRPr b="0" lang="ru-RU" sz="3200" spc="-1" strike="noStrike">
+              <a:latin typeface="Arial"/>
             </a:endParaRPr>
           </a:p>
         </p:txBody>
@@ -2698,11 +2541,9 @@
             <a:spAutoFit/>
           </a:bodyPr>
           <a:p>
-            <a:endParaRPr b="0" lang="ru-RU" sz="1800" spc="-1" strike="noStrike">
-              <a:solidFill>
-                <a:srgbClr val="fefffe"/>
-              </a:solidFill>
-              <a:latin typeface="CoFo Sans"/>
+            <a:pPr algn="ctr"/>
+            <a:endParaRPr b="0" lang="ru-RU" sz="4400" spc="-1" strike="noStrike">
+              <a:latin typeface="Arial"/>
             </a:endParaRPr>
           </a:p>
         </p:txBody>
@@ -2731,11 +2572,8 @@
             <a:normAutofit/>
           </a:bodyPr>
           <a:p>
-            <a:endParaRPr b="0" lang="ru-RU" sz="2800" spc="-1" strike="noStrike">
-              <a:solidFill>
-                <a:srgbClr val="fefffe"/>
-              </a:solidFill>
-              <a:latin typeface="CoFo Sans"/>
+            <a:endParaRPr b="0" lang="ru-RU" sz="3200" spc="-1" strike="noStrike">
+              <a:latin typeface="Arial"/>
             </a:endParaRPr>
           </a:p>
         </p:txBody>
@@ -2764,11 +2602,8 @@
             <a:normAutofit/>
           </a:bodyPr>
           <a:p>
-            <a:endParaRPr b="0" lang="ru-RU" sz="2800" spc="-1" strike="noStrike">
-              <a:solidFill>
-                <a:srgbClr val="fefffe"/>
-              </a:solidFill>
-              <a:latin typeface="CoFo Sans"/>
+            <a:endParaRPr b="0" lang="ru-RU" sz="3200" spc="-1" strike="noStrike">
+              <a:latin typeface="Arial"/>
             </a:endParaRPr>
           </a:p>
         </p:txBody>
@@ -2797,11 +2632,8 @@
             <a:normAutofit/>
           </a:bodyPr>
           <a:p>
-            <a:endParaRPr b="0" lang="ru-RU" sz="2800" spc="-1" strike="noStrike">
-              <a:solidFill>
-                <a:srgbClr val="fefffe"/>
-              </a:solidFill>
-              <a:latin typeface="CoFo Sans"/>
+            <a:endParaRPr b="0" lang="ru-RU" sz="3200" spc="-1" strike="noStrike">
+              <a:latin typeface="Arial"/>
             </a:endParaRPr>
           </a:p>
         </p:txBody>
@@ -2852,11 +2684,9 @@
             <a:spAutoFit/>
           </a:bodyPr>
           <a:p>
-            <a:endParaRPr b="0" lang="ru-RU" sz="1800" spc="-1" strike="noStrike">
-              <a:solidFill>
-                <a:srgbClr val="fefffe"/>
-              </a:solidFill>
-              <a:latin typeface="CoFo Sans"/>
+            <a:pPr algn="ctr"/>
+            <a:endParaRPr b="0" lang="ru-RU" sz="4400" spc="-1" strike="noStrike">
+              <a:latin typeface="Arial"/>
             </a:endParaRPr>
           </a:p>
         </p:txBody>
@@ -2885,11 +2715,8 @@
             <a:normAutofit/>
           </a:bodyPr>
           <a:p>
-            <a:endParaRPr b="0" lang="ru-RU" sz="2800" spc="-1" strike="noStrike">
-              <a:solidFill>
-                <a:srgbClr val="fefffe"/>
-              </a:solidFill>
-              <a:latin typeface="CoFo Sans"/>
+            <a:endParaRPr b="0" lang="ru-RU" sz="3200" spc="-1" strike="noStrike">
+              <a:latin typeface="Arial"/>
             </a:endParaRPr>
           </a:p>
         </p:txBody>
@@ -2918,11 +2745,8 @@
             <a:normAutofit/>
           </a:bodyPr>
           <a:p>
-            <a:endParaRPr b="0" lang="ru-RU" sz="2800" spc="-1" strike="noStrike">
-              <a:solidFill>
-                <a:srgbClr val="fefffe"/>
-              </a:solidFill>
-              <a:latin typeface="CoFo Sans"/>
+            <a:endParaRPr b="0" lang="ru-RU" sz="3200" spc="-1" strike="noStrike">
+              <a:latin typeface="Arial"/>
             </a:endParaRPr>
           </a:p>
         </p:txBody>
@@ -2951,11 +2775,8 @@
             <a:normAutofit/>
           </a:bodyPr>
           <a:p>
-            <a:endParaRPr b="0" lang="ru-RU" sz="2800" spc="-1" strike="noStrike">
-              <a:solidFill>
-                <a:srgbClr val="fefffe"/>
-              </a:solidFill>
-              <a:latin typeface="CoFo Sans"/>
+            <a:endParaRPr b="0" lang="ru-RU" sz="3200" spc="-1" strike="noStrike">
+              <a:latin typeface="Arial"/>
             </a:endParaRPr>
           </a:p>
         </p:txBody>
@@ -3006,11 +2827,9 @@
             <a:spAutoFit/>
           </a:bodyPr>
           <a:p>
-            <a:endParaRPr b="0" lang="ru-RU" sz="1800" spc="-1" strike="noStrike">
-              <a:solidFill>
-                <a:srgbClr val="fefffe"/>
-              </a:solidFill>
-              <a:latin typeface="CoFo Sans"/>
+            <a:pPr algn="ctr"/>
+            <a:endParaRPr b="0" lang="ru-RU" sz="4400" spc="-1" strike="noStrike">
+              <a:latin typeface="Arial"/>
             </a:endParaRPr>
           </a:p>
         </p:txBody>
@@ -3039,11 +2858,8 @@
             <a:normAutofit/>
           </a:bodyPr>
           <a:p>
-            <a:endParaRPr b="0" lang="ru-RU" sz="2800" spc="-1" strike="noStrike">
-              <a:solidFill>
-                <a:srgbClr val="fefffe"/>
-              </a:solidFill>
-              <a:latin typeface="CoFo Sans"/>
+            <a:endParaRPr b="0" lang="ru-RU" sz="3200" spc="-1" strike="noStrike">
+              <a:latin typeface="Arial"/>
             </a:endParaRPr>
           </a:p>
         </p:txBody>
@@ -3072,11 +2888,8 @@
             <a:normAutofit/>
           </a:bodyPr>
           <a:p>
-            <a:endParaRPr b="0" lang="ru-RU" sz="2800" spc="-1" strike="noStrike">
-              <a:solidFill>
-                <a:srgbClr val="fefffe"/>
-              </a:solidFill>
-              <a:latin typeface="CoFo Sans"/>
+            <a:endParaRPr b="0" lang="ru-RU" sz="3200" spc="-1" strike="noStrike">
+              <a:latin typeface="Arial"/>
             </a:endParaRPr>
           </a:p>
         </p:txBody>
@@ -3105,11 +2918,8 @@
             <a:normAutofit/>
           </a:bodyPr>
           <a:p>
-            <a:endParaRPr b="0" lang="ru-RU" sz="2800" spc="-1" strike="noStrike">
-              <a:solidFill>
-                <a:srgbClr val="fefffe"/>
-              </a:solidFill>
-              <a:latin typeface="CoFo Sans"/>
+            <a:endParaRPr b="0" lang="ru-RU" sz="3200" spc="-1" strike="noStrike">
+              <a:latin typeface="Arial"/>
             </a:endParaRPr>
           </a:p>
         </p:txBody>
@@ -3160,11 +2970,9 @@
             <a:spAutoFit/>
           </a:bodyPr>
           <a:p>
-            <a:endParaRPr b="0" lang="ru-RU" sz="1800" spc="-1" strike="noStrike">
-              <a:solidFill>
-                <a:srgbClr val="fefffe"/>
-              </a:solidFill>
-              <a:latin typeface="CoFo Sans"/>
+            <a:pPr algn="ctr"/>
+            <a:endParaRPr b="0" lang="ru-RU" sz="4400" spc="-1" strike="noStrike">
+              <a:latin typeface="Arial"/>
             </a:endParaRPr>
           </a:p>
         </p:txBody>
@@ -3193,11 +3001,8 @@
             <a:normAutofit/>
           </a:bodyPr>
           <a:p>
-            <a:endParaRPr b="0" lang="ru-RU" sz="2800" spc="-1" strike="noStrike">
-              <a:solidFill>
-                <a:srgbClr val="fefffe"/>
-              </a:solidFill>
-              <a:latin typeface="CoFo Sans"/>
+            <a:endParaRPr b="0" lang="ru-RU" sz="3200" spc="-1" strike="noStrike">
+              <a:latin typeface="Arial"/>
             </a:endParaRPr>
           </a:p>
         </p:txBody>
@@ -3226,11 +3031,8 @@
             <a:normAutofit/>
           </a:bodyPr>
           <a:p>
-            <a:endParaRPr b="0" lang="ru-RU" sz="2800" spc="-1" strike="noStrike">
-              <a:solidFill>
-                <a:srgbClr val="fefffe"/>
-              </a:solidFill>
-              <a:latin typeface="CoFo Sans"/>
+            <a:endParaRPr b="0" lang="ru-RU" sz="3200" spc="-1" strike="noStrike">
+              <a:latin typeface="Arial"/>
             </a:endParaRPr>
           </a:p>
         </p:txBody>
@@ -3281,11 +3083,9 @@
             <a:spAutoFit/>
           </a:bodyPr>
           <a:p>
-            <a:endParaRPr b="0" lang="ru-RU" sz="1800" spc="-1" strike="noStrike">
-              <a:solidFill>
-                <a:srgbClr val="fefffe"/>
-              </a:solidFill>
-              <a:latin typeface="CoFo Sans"/>
+            <a:pPr algn="ctr"/>
+            <a:endParaRPr b="0" lang="ru-RU" sz="4400" spc="-1" strike="noStrike">
+              <a:latin typeface="Arial"/>
             </a:endParaRPr>
           </a:p>
         </p:txBody>
@@ -3314,11 +3114,8 @@
             <a:normAutofit/>
           </a:bodyPr>
           <a:p>
-            <a:endParaRPr b="0" lang="ru-RU" sz="2800" spc="-1" strike="noStrike">
-              <a:solidFill>
-                <a:srgbClr val="fefffe"/>
-              </a:solidFill>
-              <a:latin typeface="CoFo Sans"/>
+            <a:endParaRPr b="0" lang="ru-RU" sz="3200" spc="-1" strike="noStrike">
+              <a:latin typeface="Arial"/>
             </a:endParaRPr>
           </a:p>
         </p:txBody>
@@ -3347,11 +3144,8 @@
             <a:normAutofit/>
           </a:bodyPr>
           <a:p>
-            <a:endParaRPr b="0" lang="ru-RU" sz="2800" spc="-1" strike="noStrike">
-              <a:solidFill>
-                <a:srgbClr val="fefffe"/>
-              </a:solidFill>
-              <a:latin typeface="CoFo Sans"/>
+            <a:endParaRPr b="0" lang="ru-RU" sz="3200" spc="-1" strike="noStrike">
+              <a:latin typeface="Arial"/>
             </a:endParaRPr>
           </a:p>
         </p:txBody>
@@ -3380,11 +3174,8 @@
             <a:normAutofit/>
           </a:bodyPr>
           <a:p>
-            <a:endParaRPr b="0" lang="ru-RU" sz="2800" spc="-1" strike="noStrike">
-              <a:solidFill>
-                <a:srgbClr val="fefffe"/>
-              </a:solidFill>
-              <a:latin typeface="CoFo Sans"/>
+            <a:endParaRPr b="0" lang="ru-RU" sz="3200" spc="-1" strike="noStrike">
+              <a:latin typeface="Arial"/>
             </a:endParaRPr>
           </a:p>
         </p:txBody>
@@ -3413,11 +3204,8 @@
             <a:normAutofit/>
           </a:bodyPr>
           <a:p>
-            <a:endParaRPr b="0" lang="ru-RU" sz="2800" spc="-1" strike="noStrike">
-              <a:solidFill>
-                <a:srgbClr val="fefffe"/>
-              </a:solidFill>
-              <a:latin typeface="CoFo Sans"/>
+            <a:endParaRPr b="0" lang="ru-RU" sz="3200" spc="-1" strike="noStrike">
+              <a:latin typeface="Arial"/>
             </a:endParaRPr>
           </a:p>
         </p:txBody>
@@ -3468,11 +3256,9 @@
             <a:spAutoFit/>
           </a:bodyPr>
           <a:p>
-            <a:endParaRPr b="0" lang="ru-RU" sz="1800" spc="-1" strike="noStrike">
-              <a:solidFill>
-                <a:srgbClr val="fefffe"/>
-              </a:solidFill>
-              <a:latin typeface="CoFo Sans"/>
+            <a:pPr algn="ctr"/>
+            <a:endParaRPr b="0" lang="ru-RU" sz="4400" spc="-1" strike="noStrike">
+              <a:latin typeface="Arial"/>
             </a:endParaRPr>
           </a:p>
         </p:txBody>
@@ -3501,11 +3287,8 @@
             <a:normAutofit/>
           </a:bodyPr>
           <a:p>
-            <a:endParaRPr b="0" lang="ru-RU" sz="2800" spc="-1" strike="noStrike">
-              <a:solidFill>
-                <a:srgbClr val="fefffe"/>
-              </a:solidFill>
-              <a:latin typeface="CoFo Sans"/>
+            <a:endParaRPr b="0" lang="ru-RU" sz="3200" spc="-1" strike="noStrike">
+              <a:latin typeface="Arial"/>
             </a:endParaRPr>
           </a:p>
         </p:txBody>
@@ -3534,11 +3317,8 @@
             <a:normAutofit/>
           </a:bodyPr>
           <a:p>
-            <a:endParaRPr b="0" lang="ru-RU" sz="2800" spc="-1" strike="noStrike">
-              <a:solidFill>
-                <a:srgbClr val="fefffe"/>
-              </a:solidFill>
-              <a:latin typeface="CoFo Sans"/>
+            <a:endParaRPr b="0" lang="ru-RU" sz="3200" spc="-1" strike="noStrike">
+              <a:latin typeface="Arial"/>
             </a:endParaRPr>
           </a:p>
         </p:txBody>
@@ -3567,11 +3347,8 @@
             <a:normAutofit/>
           </a:bodyPr>
           <a:p>
-            <a:endParaRPr b="0" lang="ru-RU" sz="2800" spc="-1" strike="noStrike">
-              <a:solidFill>
-                <a:srgbClr val="fefffe"/>
-              </a:solidFill>
-              <a:latin typeface="CoFo Sans"/>
+            <a:endParaRPr b="0" lang="ru-RU" sz="3200" spc="-1" strike="noStrike">
+              <a:latin typeface="Arial"/>
             </a:endParaRPr>
           </a:p>
         </p:txBody>
@@ -3600,11 +3377,8 @@
             <a:normAutofit/>
           </a:bodyPr>
           <a:p>
-            <a:endParaRPr b="0" lang="ru-RU" sz="2800" spc="-1" strike="noStrike">
-              <a:solidFill>
-                <a:srgbClr val="fefffe"/>
-              </a:solidFill>
-              <a:latin typeface="CoFo Sans"/>
+            <a:endParaRPr b="0" lang="ru-RU" sz="3200" spc="-1" strike="noStrike">
+              <a:latin typeface="Arial"/>
             </a:endParaRPr>
           </a:p>
         </p:txBody>
@@ -3633,11 +3407,8 @@
             <a:normAutofit/>
           </a:bodyPr>
           <a:p>
-            <a:endParaRPr b="0" lang="ru-RU" sz="2800" spc="-1" strike="noStrike">
-              <a:solidFill>
-                <a:srgbClr val="fefffe"/>
-              </a:solidFill>
-              <a:latin typeface="CoFo Sans"/>
+            <a:endParaRPr b="0" lang="ru-RU" sz="3200" spc="-1" strike="noStrike">
+              <a:latin typeface="Arial"/>
             </a:endParaRPr>
           </a:p>
         </p:txBody>
@@ -3666,11 +3437,8 @@
             <a:normAutofit/>
           </a:bodyPr>
           <a:p>
-            <a:endParaRPr b="0" lang="ru-RU" sz="2800" spc="-1" strike="noStrike">
-              <a:solidFill>
-                <a:srgbClr val="fefffe"/>
-              </a:solidFill>
-              <a:latin typeface="CoFo Sans"/>
+            <a:endParaRPr b="0" lang="ru-RU" sz="3200" spc="-1" strike="noStrike">
+              <a:latin typeface="Arial"/>
             </a:endParaRPr>
           </a:p>
         </p:txBody>
@@ -3743,11 +3511,9 @@
             <a:spAutoFit/>
           </a:bodyPr>
           <a:p>
-            <a:endParaRPr b="0" lang="ru-RU" sz="1800" spc="-1" strike="noStrike">
-              <a:solidFill>
-                <a:srgbClr val="fefffe"/>
-              </a:solidFill>
-              <a:latin typeface="CoFo Sans"/>
+            <a:pPr algn="ctr"/>
+            <a:endParaRPr b="0" lang="ru-RU" sz="4400" spc="-1" strike="noStrike">
+              <a:latin typeface="Arial"/>
             </a:endParaRPr>
           </a:p>
         </p:txBody>
@@ -3829,11 +3595,9 @@
             <a:spAutoFit/>
           </a:bodyPr>
           <a:p>
-            <a:endParaRPr b="0" lang="ru-RU" sz="1800" spc="-1" strike="noStrike">
-              <a:solidFill>
-                <a:srgbClr val="fefffe"/>
-              </a:solidFill>
-              <a:latin typeface="CoFo Sans"/>
+            <a:pPr algn="ctr"/>
+            <a:endParaRPr b="0" lang="ru-RU" sz="4400" spc="-1" strike="noStrike">
+              <a:latin typeface="Arial"/>
             </a:endParaRPr>
           </a:p>
         </p:txBody>
@@ -3862,11 +3626,8 @@
             <a:normAutofit/>
           </a:bodyPr>
           <a:p>
-            <a:endParaRPr b="0" lang="ru-RU" sz="2800" spc="-1" strike="noStrike">
-              <a:solidFill>
-                <a:srgbClr val="fefffe"/>
-              </a:solidFill>
-              <a:latin typeface="CoFo Sans"/>
+            <a:endParaRPr b="0" lang="ru-RU" sz="3200" spc="-1" strike="noStrike">
+              <a:latin typeface="Arial"/>
             </a:endParaRPr>
           </a:p>
         </p:txBody>
@@ -3917,11 +3678,9 @@
             <a:spAutoFit/>
           </a:bodyPr>
           <a:p>
-            <a:endParaRPr b="0" lang="ru-RU" sz="1800" spc="-1" strike="noStrike">
-              <a:solidFill>
-                <a:srgbClr val="fefffe"/>
-              </a:solidFill>
-              <a:latin typeface="CoFo Sans"/>
+            <a:pPr algn="ctr"/>
+            <a:endParaRPr b="0" lang="ru-RU" sz="4400" spc="-1" strike="noStrike">
+              <a:latin typeface="Arial"/>
             </a:endParaRPr>
           </a:p>
         </p:txBody>
@@ -3950,11 +3709,8 @@
             <a:normAutofit/>
           </a:bodyPr>
           <a:p>
-            <a:endParaRPr b="0" lang="ru-RU" sz="2800" spc="-1" strike="noStrike">
-              <a:solidFill>
-                <a:srgbClr val="fefffe"/>
-              </a:solidFill>
-              <a:latin typeface="CoFo Sans"/>
+            <a:endParaRPr b="0" lang="ru-RU" sz="3200" spc="-1" strike="noStrike">
+              <a:latin typeface="Arial"/>
             </a:endParaRPr>
           </a:p>
         </p:txBody>
@@ -3983,11 +3739,8 @@
             <a:normAutofit/>
           </a:bodyPr>
           <a:p>
-            <a:endParaRPr b="0" lang="ru-RU" sz="2800" spc="-1" strike="noStrike">
-              <a:solidFill>
-                <a:srgbClr val="fefffe"/>
-              </a:solidFill>
-              <a:latin typeface="CoFo Sans"/>
+            <a:endParaRPr b="0" lang="ru-RU" sz="3200" spc="-1" strike="noStrike">
+              <a:latin typeface="Arial"/>
             </a:endParaRPr>
           </a:p>
         </p:txBody>
@@ -4038,11 +3791,9 @@
             <a:spAutoFit/>
           </a:bodyPr>
           <a:p>
-            <a:endParaRPr b="0" lang="ru-RU" sz="1800" spc="-1" strike="noStrike">
-              <a:solidFill>
-                <a:srgbClr val="fefffe"/>
-              </a:solidFill>
-              <a:latin typeface="CoFo Sans"/>
+            <a:pPr algn="ctr"/>
+            <a:endParaRPr b="0" lang="ru-RU" sz="4400" spc="-1" strike="noStrike">
+              <a:latin typeface="Arial"/>
             </a:endParaRPr>
           </a:p>
         </p:txBody>
@@ -4071,11 +3822,8 @@
             <a:normAutofit/>
           </a:bodyPr>
           <a:p>
-            <a:endParaRPr b="0" lang="ru-RU" sz="2800" spc="-1" strike="noStrike">
-              <a:solidFill>
-                <a:srgbClr val="fefffe"/>
-              </a:solidFill>
-              <a:latin typeface="CoFo Sans"/>
+            <a:endParaRPr b="0" lang="ru-RU" sz="3200" spc="-1" strike="noStrike">
+              <a:latin typeface="Arial"/>
             </a:endParaRPr>
           </a:p>
         </p:txBody>
@@ -4104,11 +3852,8 @@
             <a:normAutofit/>
           </a:bodyPr>
           <a:p>
-            <a:endParaRPr b="0" lang="ru-RU" sz="2800" spc="-1" strike="noStrike">
-              <a:solidFill>
-                <a:srgbClr val="fefffe"/>
-              </a:solidFill>
-              <a:latin typeface="CoFo Sans"/>
+            <a:endParaRPr b="0" lang="ru-RU" sz="3200" spc="-1" strike="noStrike">
+              <a:latin typeface="Arial"/>
             </a:endParaRPr>
           </a:p>
         </p:txBody>
@@ -4159,11 +3904,9 @@
             <a:spAutoFit/>
           </a:bodyPr>
           <a:p>
-            <a:endParaRPr b="0" lang="ru-RU" sz="1800" spc="-1" strike="noStrike">
-              <a:solidFill>
-                <a:srgbClr val="fefffe"/>
-              </a:solidFill>
-              <a:latin typeface="CoFo Sans"/>
+            <a:pPr algn="ctr"/>
+            <a:endParaRPr b="0" lang="ru-RU" sz="4400" spc="-1" strike="noStrike">
+              <a:latin typeface="Arial"/>
             </a:endParaRPr>
           </a:p>
         </p:txBody>
@@ -4267,11 +4010,9 @@
             <a:spAutoFit/>
           </a:bodyPr>
           <a:p>
-            <a:endParaRPr b="0" lang="ru-RU" sz="1800" spc="-1" strike="noStrike">
-              <a:solidFill>
-                <a:srgbClr val="fefffe"/>
-              </a:solidFill>
-              <a:latin typeface="CoFo Sans"/>
+            <a:pPr algn="ctr"/>
+            <a:endParaRPr b="0" lang="ru-RU" sz="4400" spc="-1" strike="noStrike">
+              <a:latin typeface="Arial"/>
             </a:endParaRPr>
           </a:p>
         </p:txBody>
@@ -4300,11 +4041,8 @@
             <a:normAutofit/>
           </a:bodyPr>
           <a:p>
-            <a:endParaRPr b="0" lang="ru-RU" sz="2800" spc="-1" strike="noStrike">
-              <a:solidFill>
-                <a:srgbClr val="fefffe"/>
-              </a:solidFill>
-              <a:latin typeface="CoFo Sans"/>
+            <a:endParaRPr b="0" lang="ru-RU" sz="3200" spc="-1" strike="noStrike">
+              <a:latin typeface="Arial"/>
             </a:endParaRPr>
           </a:p>
         </p:txBody>
@@ -4333,11 +4071,8 @@
             <a:normAutofit/>
           </a:bodyPr>
           <a:p>
-            <a:endParaRPr b="0" lang="ru-RU" sz="2800" spc="-1" strike="noStrike">
-              <a:solidFill>
-                <a:srgbClr val="fefffe"/>
-              </a:solidFill>
-              <a:latin typeface="CoFo Sans"/>
+            <a:endParaRPr b="0" lang="ru-RU" sz="3200" spc="-1" strike="noStrike">
+              <a:latin typeface="Arial"/>
             </a:endParaRPr>
           </a:p>
         </p:txBody>
@@ -4366,11 +4101,8 @@
             <a:normAutofit/>
           </a:bodyPr>
           <a:p>
-            <a:endParaRPr b="0" lang="ru-RU" sz="2800" spc="-1" strike="noStrike">
-              <a:solidFill>
-                <a:srgbClr val="fefffe"/>
-              </a:solidFill>
-              <a:latin typeface="CoFo Sans"/>
+            <a:endParaRPr b="0" lang="ru-RU" sz="3200" spc="-1" strike="noStrike">
+              <a:latin typeface="Arial"/>
             </a:endParaRPr>
           </a:p>
         </p:txBody>
@@ -4421,11 +4153,9 @@
             <a:spAutoFit/>
           </a:bodyPr>
           <a:p>
-            <a:endParaRPr b="0" lang="ru-RU" sz="1800" spc="-1" strike="noStrike">
-              <a:solidFill>
-                <a:srgbClr val="fefffe"/>
-              </a:solidFill>
-              <a:latin typeface="CoFo Sans"/>
+            <a:pPr algn="ctr"/>
+            <a:endParaRPr b="0" lang="ru-RU" sz="4400" spc="-1" strike="noStrike">
+              <a:latin typeface="Arial"/>
             </a:endParaRPr>
           </a:p>
         </p:txBody>
@@ -4454,11 +4184,8 @@
             <a:normAutofit/>
           </a:bodyPr>
           <a:p>
-            <a:endParaRPr b="0" lang="ru-RU" sz="2800" spc="-1" strike="noStrike">
-              <a:solidFill>
-                <a:srgbClr val="fefffe"/>
-              </a:solidFill>
-              <a:latin typeface="CoFo Sans"/>
+            <a:endParaRPr b="0" lang="ru-RU" sz="3200" spc="-1" strike="noStrike">
+              <a:latin typeface="Arial"/>
             </a:endParaRPr>
           </a:p>
         </p:txBody>
@@ -4487,11 +4214,8 @@
             <a:normAutofit/>
           </a:bodyPr>
           <a:p>
-            <a:endParaRPr b="0" lang="ru-RU" sz="2800" spc="-1" strike="noStrike">
-              <a:solidFill>
-                <a:srgbClr val="fefffe"/>
-              </a:solidFill>
-              <a:latin typeface="CoFo Sans"/>
+            <a:endParaRPr b="0" lang="ru-RU" sz="3200" spc="-1" strike="noStrike">
+              <a:latin typeface="Arial"/>
             </a:endParaRPr>
           </a:p>
         </p:txBody>
@@ -4520,11 +4244,8 @@
             <a:normAutofit/>
           </a:bodyPr>
           <a:p>
-            <a:endParaRPr b="0" lang="ru-RU" sz="2800" spc="-1" strike="noStrike">
-              <a:solidFill>
-                <a:srgbClr val="fefffe"/>
-              </a:solidFill>
-              <a:latin typeface="CoFo Sans"/>
+            <a:endParaRPr b="0" lang="ru-RU" sz="3200" spc="-1" strike="noStrike">
+              <a:latin typeface="Arial"/>
             </a:endParaRPr>
           </a:p>
         </p:txBody>
@@ -4575,11 +4296,9 @@
             <a:spAutoFit/>
           </a:bodyPr>
           <a:p>
-            <a:endParaRPr b="0" lang="ru-RU" sz="1800" spc="-1" strike="noStrike">
-              <a:solidFill>
-                <a:srgbClr val="fefffe"/>
-              </a:solidFill>
-              <a:latin typeface="CoFo Sans"/>
+            <a:pPr algn="ctr"/>
+            <a:endParaRPr b="0" lang="ru-RU" sz="4400" spc="-1" strike="noStrike">
+              <a:latin typeface="Arial"/>
             </a:endParaRPr>
           </a:p>
         </p:txBody>
@@ -4608,11 +4327,8 @@
             <a:normAutofit/>
           </a:bodyPr>
           <a:p>
-            <a:endParaRPr b="0" lang="ru-RU" sz="2800" spc="-1" strike="noStrike">
-              <a:solidFill>
-                <a:srgbClr val="fefffe"/>
-              </a:solidFill>
-              <a:latin typeface="CoFo Sans"/>
+            <a:endParaRPr b="0" lang="ru-RU" sz="3200" spc="-1" strike="noStrike">
+              <a:latin typeface="Arial"/>
             </a:endParaRPr>
           </a:p>
         </p:txBody>
@@ -4641,11 +4357,8 @@
             <a:normAutofit/>
           </a:bodyPr>
           <a:p>
-            <a:endParaRPr b="0" lang="ru-RU" sz="2800" spc="-1" strike="noStrike">
-              <a:solidFill>
-                <a:srgbClr val="fefffe"/>
-              </a:solidFill>
-              <a:latin typeface="CoFo Sans"/>
+            <a:endParaRPr b="0" lang="ru-RU" sz="3200" spc="-1" strike="noStrike">
+              <a:latin typeface="Arial"/>
             </a:endParaRPr>
           </a:p>
         </p:txBody>
@@ -4674,11 +4387,8 @@
             <a:normAutofit/>
           </a:bodyPr>
           <a:p>
-            <a:endParaRPr b="0" lang="ru-RU" sz="2800" spc="-1" strike="noStrike">
-              <a:solidFill>
-                <a:srgbClr val="fefffe"/>
-              </a:solidFill>
-              <a:latin typeface="CoFo Sans"/>
+            <a:endParaRPr b="0" lang="ru-RU" sz="3200" spc="-1" strike="noStrike">
+              <a:latin typeface="Arial"/>
             </a:endParaRPr>
           </a:p>
         </p:txBody>
@@ -4729,11 +4439,9 @@
             <a:spAutoFit/>
           </a:bodyPr>
           <a:p>
-            <a:endParaRPr b="0" lang="ru-RU" sz="1800" spc="-1" strike="noStrike">
-              <a:solidFill>
-                <a:srgbClr val="fefffe"/>
-              </a:solidFill>
-              <a:latin typeface="CoFo Sans"/>
+            <a:pPr algn="ctr"/>
+            <a:endParaRPr b="0" lang="ru-RU" sz="4400" spc="-1" strike="noStrike">
+              <a:latin typeface="Arial"/>
             </a:endParaRPr>
           </a:p>
         </p:txBody>
@@ -4762,11 +4470,8 @@
             <a:normAutofit/>
           </a:bodyPr>
           <a:p>
-            <a:endParaRPr b="0" lang="ru-RU" sz="2800" spc="-1" strike="noStrike">
-              <a:solidFill>
-                <a:srgbClr val="fefffe"/>
-              </a:solidFill>
-              <a:latin typeface="CoFo Sans"/>
+            <a:endParaRPr b="0" lang="ru-RU" sz="3200" spc="-1" strike="noStrike">
+              <a:latin typeface="Arial"/>
             </a:endParaRPr>
           </a:p>
         </p:txBody>
@@ -4795,11 +4500,8 @@
             <a:normAutofit/>
           </a:bodyPr>
           <a:p>
-            <a:endParaRPr b="0" lang="ru-RU" sz="2800" spc="-1" strike="noStrike">
-              <a:solidFill>
-                <a:srgbClr val="fefffe"/>
-              </a:solidFill>
-              <a:latin typeface="CoFo Sans"/>
+            <a:endParaRPr b="0" lang="ru-RU" sz="3200" spc="-1" strike="noStrike">
+              <a:latin typeface="Arial"/>
             </a:endParaRPr>
           </a:p>
         </p:txBody>
@@ -4850,11 +4552,9 @@
             <a:spAutoFit/>
           </a:bodyPr>
           <a:p>
-            <a:endParaRPr b="0" lang="ru-RU" sz="1800" spc="-1" strike="noStrike">
-              <a:solidFill>
-                <a:srgbClr val="fefffe"/>
-              </a:solidFill>
-              <a:latin typeface="CoFo Sans"/>
+            <a:pPr algn="ctr"/>
+            <a:endParaRPr b="0" lang="ru-RU" sz="4400" spc="-1" strike="noStrike">
+              <a:latin typeface="Arial"/>
             </a:endParaRPr>
           </a:p>
         </p:txBody>
@@ -4883,11 +4583,8 @@
             <a:normAutofit/>
           </a:bodyPr>
           <a:p>
-            <a:endParaRPr b="0" lang="ru-RU" sz="2800" spc="-1" strike="noStrike">
-              <a:solidFill>
-                <a:srgbClr val="fefffe"/>
-              </a:solidFill>
-              <a:latin typeface="CoFo Sans"/>
+            <a:endParaRPr b="0" lang="ru-RU" sz="3200" spc="-1" strike="noStrike">
+              <a:latin typeface="Arial"/>
             </a:endParaRPr>
           </a:p>
         </p:txBody>
@@ -4916,11 +4613,8 @@
             <a:normAutofit/>
           </a:bodyPr>
           <a:p>
-            <a:endParaRPr b="0" lang="ru-RU" sz="2800" spc="-1" strike="noStrike">
-              <a:solidFill>
-                <a:srgbClr val="fefffe"/>
-              </a:solidFill>
-              <a:latin typeface="CoFo Sans"/>
+            <a:endParaRPr b="0" lang="ru-RU" sz="3200" spc="-1" strike="noStrike">
+              <a:latin typeface="Arial"/>
             </a:endParaRPr>
           </a:p>
         </p:txBody>
@@ -4949,11 +4643,8 @@
             <a:normAutofit/>
           </a:bodyPr>
           <a:p>
-            <a:endParaRPr b="0" lang="ru-RU" sz="2800" spc="-1" strike="noStrike">
-              <a:solidFill>
-                <a:srgbClr val="fefffe"/>
-              </a:solidFill>
-              <a:latin typeface="CoFo Sans"/>
+            <a:endParaRPr b="0" lang="ru-RU" sz="3200" spc="-1" strike="noStrike">
+              <a:latin typeface="Arial"/>
             </a:endParaRPr>
           </a:p>
         </p:txBody>
@@ -4982,11 +4673,8 @@
             <a:normAutofit/>
           </a:bodyPr>
           <a:p>
-            <a:endParaRPr b="0" lang="ru-RU" sz="2800" spc="-1" strike="noStrike">
-              <a:solidFill>
-                <a:srgbClr val="fefffe"/>
-              </a:solidFill>
-              <a:latin typeface="CoFo Sans"/>
+            <a:endParaRPr b="0" lang="ru-RU" sz="3200" spc="-1" strike="noStrike">
+              <a:latin typeface="Arial"/>
             </a:endParaRPr>
           </a:p>
         </p:txBody>
@@ -5037,11 +4725,9 @@
             <a:spAutoFit/>
           </a:bodyPr>
           <a:p>
-            <a:endParaRPr b="0" lang="ru-RU" sz="1800" spc="-1" strike="noStrike">
-              <a:solidFill>
-                <a:srgbClr val="fefffe"/>
-              </a:solidFill>
-              <a:latin typeface="CoFo Sans"/>
+            <a:pPr algn="ctr"/>
+            <a:endParaRPr b="0" lang="ru-RU" sz="4400" spc="-1" strike="noStrike">
+              <a:latin typeface="Arial"/>
             </a:endParaRPr>
           </a:p>
         </p:txBody>
@@ -5070,11 +4756,8 @@
             <a:normAutofit/>
           </a:bodyPr>
           <a:p>
-            <a:endParaRPr b="0" lang="ru-RU" sz="2800" spc="-1" strike="noStrike">
-              <a:solidFill>
-                <a:srgbClr val="fefffe"/>
-              </a:solidFill>
-              <a:latin typeface="CoFo Sans"/>
+            <a:endParaRPr b="0" lang="ru-RU" sz="3200" spc="-1" strike="noStrike">
+              <a:latin typeface="Arial"/>
             </a:endParaRPr>
           </a:p>
         </p:txBody>
@@ -5103,11 +4786,8 @@
             <a:normAutofit/>
           </a:bodyPr>
           <a:p>
-            <a:endParaRPr b="0" lang="ru-RU" sz="2800" spc="-1" strike="noStrike">
-              <a:solidFill>
-                <a:srgbClr val="fefffe"/>
-              </a:solidFill>
-              <a:latin typeface="CoFo Sans"/>
+            <a:endParaRPr b="0" lang="ru-RU" sz="3200" spc="-1" strike="noStrike">
+              <a:latin typeface="Arial"/>
             </a:endParaRPr>
           </a:p>
         </p:txBody>
@@ -5136,11 +4816,8 @@
             <a:normAutofit/>
           </a:bodyPr>
           <a:p>
-            <a:endParaRPr b="0" lang="ru-RU" sz="2800" spc="-1" strike="noStrike">
-              <a:solidFill>
-                <a:srgbClr val="fefffe"/>
-              </a:solidFill>
-              <a:latin typeface="CoFo Sans"/>
+            <a:endParaRPr b="0" lang="ru-RU" sz="3200" spc="-1" strike="noStrike">
+              <a:latin typeface="Arial"/>
             </a:endParaRPr>
           </a:p>
         </p:txBody>
@@ -5169,11 +4846,8 @@
             <a:normAutofit/>
           </a:bodyPr>
           <a:p>
-            <a:endParaRPr b="0" lang="ru-RU" sz="2800" spc="-1" strike="noStrike">
-              <a:solidFill>
-                <a:srgbClr val="fefffe"/>
-              </a:solidFill>
-              <a:latin typeface="CoFo Sans"/>
+            <a:endParaRPr b="0" lang="ru-RU" sz="3200" spc="-1" strike="noStrike">
+              <a:latin typeface="Arial"/>
             </a:endParaRPr>
           </a:p>
         </p:txBody>
@@ -5202,11 +4876,8 @@
             <a:normAutofit/>
           </a:bodyPr>
           <a:p>
-            <a:endParaRPr b="0" lang="ru-RU" sz="2800" spc="-1" strike="noStrike">
-              <a:solidFill>
-                <a:srgbClr val="fefffe"/>
-              </a:solidFill>
-              <a:latin typeface="CoFo Sans"/>
+            <a:endParaRPr b="0" lang="ru-RU" sz="3200" spc="-1" strike="noStrike">
+              <a:latin typeface="Arial"/>
             </a:endParaRPr>
           </a:p>
         </p:txBody>
@@ -5235,11 +4906,8 @@
             <a:normAutofit/>
           </a:bodyPr>
           <a:p>
-            <a:endParaRPr b="0" lang="ru-RU" sz="2800" spc="-1" strike="noStrike">
-              <a:solidFill>
-                <a:srgbClr val="fefffe"/>
-              </a:solidFill>
-              <a:latin typeface="CoFo Sans"/>
+            <a:endParaRPr b="0" lang="ru-RU" sz="3200" spc="-1" strike="noStrike">
+              <a:latin typeface="Arial"/>
             </a:endParaRPr>
           </a:p>
         </p:txBody>
@@ -5312,11 +4980,9 @@
             <a:spAutoFit/>
           </a:bodyPr>
           <a:p>
-            <a:endParaRPr b="0" lang="ru-RU" sz="1800" spc="-1" strike="noStrike">
-              <a:solidFill>
-                <a:srgbClr val="fefffe"/>
-              </a:solidFill>
-              <a:latin typeface="CoFo Sans"/>
+            <a:pPr algn="ctr"/>
+            <a:endParaRPr b="0" lang="ru-RU" sz="4400" spc="-1" strike="noStrike">
+              <a:latin typeface="Arial"/>
             </a:endParaRPr>
           </a:p>
         </p:txBody>
@@ -5367,11 +5033,9 @@
             <a:spAutoFit/>
           </a:bodyPr>
           <a:p>
-            <a:endParaRPr b="0" lang="ru-RU" sz="1800" spc="-1" strike="noStrike">
-              <a:solidFill>
-                <a:srgbClr val="fefffe"/>
-              </a:solidFill>
-              <a:latin typeface="CoFo Sans"/>
+            <a:pPr algn="ctr"/>
+            <a:endParaRPr b="0" lang="ru-RU" sz="4400" spc="-1" strike="noStrike">
+              <a:latin typeface="Arial"/>
             </a:endParaRPr>
           </a:p>
         </p:txBody>
@@ -5453,11 +5117,9 @@
             <a:spAutoFit/>
           </a:bodyPr>
           <a:p>
-            <a:endParaRPr b="0" lang="ru-RU" sz="1800" spc="-1" strike="noStrike">
-              <a:solidFill>
-                <a:srgbClr val="fefffe"/>
-              </a:solidFill>
-              <a:latin typeface="CoFo Sans"/>
+            <a:pPr algn="ctr"/>
+            <a:endParaRPr b="0" lang="ru-RU" sz="4400" spc="-1" strike="noStrike">
+              <a:latin typeface="Arial"/>
             </a:endParaRPr>
           </a:p>
         </p:txBody>
@@ -5486,11 +5148,8 @@
             <a:normAutofit/>
           </a:bodyPr>
           <a:p>
-            <a:endParaRPr b="0" lang="ru-RU" sz="2800" spc="-1" strike="noStrike">
-              <a:solidFill>
-                <a:srgbClr val="fefffe"/>
-              </a:solidFill>
-              <a:latin typeface="CoFo Sans"/>
+            <a:endParaRPr b="0" lang="ru-RU" sz="3200" spc="-1" strike="noStrike">
+              <a:latin typeface="Arial"/>
             </a:endParaRPr>
           </a:p>
         </p:txBody>
@@ -5541,11 +5200,9 @@
             <a:spAutoFit/>
           </a:bodyPr>
           <a:p>
-            <a:endParaRPr b="0" lang="ru-RU" sz="1800" spc="-1" strike="noStrike">
-              <a:solidFill>
-                <a:srgbClr val="fefffe"/>
-              </a:solidFill>
-              <a:latin typeface="CoFo Sans"/>
+            <a:pPr algn="ctr"/>
+            <a:endParaRPr b="0" lang="ru-RU" sz="4400" spc="-1" strike="noStrike">
+              <a:latin typeface="Arial"/>
             </a:endParaRPr>
           </a:p>
         </p:txBody>
@@ -5574,11 +5231,8 @@
             <a:normAutofit/>
           </a:bodyPr>
           <a:p>
-            <a:endParaRPr b="0" lang="ru-RU" sz="2800" spc="-1" strike="noStrike">
-              <a:solidFill>
-                <a:srgbClr val="fefffe"/>
-              </a:solidFill>
-              <a:latin typeface="CoFo Sans"/>
+            <a:endParaRPr b="0" lang="ru-RU" sz="3200" spc="-1" strike="noStrike">
+              <a:latin typeface="Arial"/>
             </a:endParaRPr>
           </a:p>
         </p:txBody>
@@ -5607,11 +5261,8 @@
             <a:normAutofit/>
           </a:bodyPr>
           <a:p>
-            <a:endParaRPr b="0" lang="ru-RU" sz="2800" spc="-1" strike="noStrike">
-              <a:solidFill>
-                <a:srgbClr val="fefffe"/>
-              </a:solidFill>
-              <a:latin typeface="CoFo Sans"/>
+            <a:endParaRPr b="0" lang="ru-RU" sz="3200" spc="-1" strike="noStrike">
+              <a:latin typeface="Arial"/>
             </a:endParaRPr>
           </a:p>
         </p:txBody>
@@ -5662,11 +5313,9 @@
             <a:spAutoFit/>
           </a:bodyPr>
           <a:p>
-            <a:endParaRPr b="0" lang="ru-RU" sz="1800" spc="-1" strike="noStrike">
-              <a:solidFill>
-                <a:srgbClr val="fefffe"/>
-              </a:solidFill>
-              <a:latin typeface="CoFo Sans"/>
+            <a:pPr algn="ctr"/>
+            <a:endParaRPr b="0" lang="ru-RU" sz="4400" spc="-1" strike="noStrike">
+              <a:latin typeface="Arial"/>
             </a:endParaRPr>
           </a:p>
         </p:txBody>
@@ -5770,11 +5419,9 @@
             <a:spAutoFit/>
           </a:bodyPr>
           <a:p>
-            <a:endParaRPr b="0" lang="ru-RU" sz="1800" spc="-1" strike="noStrike">
-              <a:solidFill>
-                <a:srgbClr val="fefffe"/>
-              </a:solidFill>
-              <a:latin typeface="CoFo Sans"/>
+            <a:pPr algn="ctr"/>
+            <a:endParaRPr b="0" lang="ru-RU" sz="4400" spc="-1" strike="noStrike">
+              <a:latin typeface="Arial"/>
             </a:endParaRPr>
           </a:p>
         </p:txBody>
@@ -5803,11 +5450,8 @@
             <a:normAutofit/>
           </a:bodyPr>
           <a:p>
-            <a:endParaRPr b="0" lang="ru-RU" sz="2800" spc="-1" strike="noStrike">
-              <a:solidFill>
-                <a:srgbClr val="fefffe"/>
-              </a:solidFill>
-              <a:latin typeface="CoFo Sans"/>
+            <a:endParaRPr b="0" lang="ru-RU" sz="3200" spc="-1" strike="noStrike">
+              <a:latin typeface="Arial"/>
             </a:endParaRPr>
           </a:p>
         </p:txBody>
@@ -5836,11 +5480,8 @@
             <a:normAutofit/>
           </a:bodyPr>
           <a:p>
-            <a:endParaRPr b="0" lang="ru-RU" sz="2800" spc="-1" strike="noStrike">
-              <a:solidFill>
-                <a:srgbClr val="fefffe"/>
-              </a:solidFill>
-              <a:latin typeface="CoFo Sans"/>
+            <a:endParaRPr b="0" lang="ru-RU" sz="3200" spc="-1" strike="noStrike">
+              <a:latin typeface="Arial"/>
             </a:endParaRPr>
           </a:p>
         </p:txBody>
@@ -5869,11 +5510,8 @@
             <a:normAutofit/>
           </a:bodyPr>
           <a:p>
-            <a:endParaRPr b="0" lang="ru-RU" sz="2800" spc="-1" strike="noStrike">
-              <a:solidFill>
-                <a:srgbClr val="fefffe"/>
-              </a:solidFill>
-              <a:latin typeface="CoFo Sans"/>
+            <a:endParaRPr b="0" lang="ru-RU" sz="3200" spc="-1" strike="noStrike">
+              <a:latin typeface="Arial"/>
             </a:endParaRPr>
           </a:p>
         </p:txBody>
@@ -5924,11 +5562,9 @@
             <a:spAutoFit/>
           </a:bodyPr>
           <a:p>
-            <a:endParaRPr b="0" lang="ru-RU" sz="1800" spc="-1" strike="noStrike">
-              <a:solidFill>
-                <a:srgbClr val="fefffe"/>
-              </a:solidFill>
-              <a:latin typeface="CoFo Sans"/>
+            <a:pPr algn="ctr"/>
+            <a:endParaRPr b="0" lang="ru-RU" sz="4400" spc="-1" strike="noStrike">
+              <a:latin typeface="Arial"/>
             </a:endParaRPr>
           </a:p>
         </p:txBody>
@@ -5957,11 +5593,8 @@
             <a:normAutofit/>
           </a:bodyPr>
           <a:p>
-            <a:endParaRPr b="0" lang="ru-RU" sz="2800" spc="-1" strike="noStrike">
-              <a:solidFill>
-                <a:srgbClr val="fefffe"/>
-              </a:solidFill>
-              <a:latin typeface="CoFo Sans"/>
+            <a:endParaRPr b="0" lang="ru-RU" sz="3200" spc="-1" strike="noStrike">
+              <a:latin typeface="Arial"/>
             </a:endParaRPr>
           </a:p>
         </p:txBody>
@@ -5990,11 +5623,8 @@
             <a:normAutofit/>
           </a:bodyPr>
           <a:p>
-            <a:endParaRPr b="0" lang="ru-RU" sz="2800" spc="-1" strike="noStrike">
-              <a:solidFill>
-                <a:srgbClr val="fefffe"/>
-              </a:solidFill>
-              <a:latin typeface="CoFo Sans"/>
+            <a:endParaRPr b="0" lang="ru-RU" sz="3200" spc="-1" strike="noStrike">
+              <a:latin typeface="Arial"/>
             </a:endParaRPr>
           </a:p>
         </p:txBody>
@@ -6023,11 +5653,8 @@
             <a:normAutofit/>
           </a:bodyPr>
           <a:p>
-            <a:endParaRPr b="0" lang="ru-RU" sz="2800" spc="-1" strike="noStrike">
-              <a:solidFill>
-                <a:srgbClr val="fefffe"/>
-              </a:solidFill>
-              <a:latin typeface="CoFo Sans"/>
+            <a:endParaRPr b="0" lang="ru-RU" sz="3200" spc="-1" strike="noStrike">
+              <a:latin typeface="Arial"/>
             </a:endParaRPr>
           </a:p>
         </p:txBody>
@@ -6078,11 +5705,9 @@
             <a:spAutoFit/>
           </a:bodyPr>
           <a:p>
-            <a:endParaRPr b="0" lang="ru-RU" sz="1800" spc="-1" strike="noStrike">
-              <a:solidFill>
-                <a:srgbClr val="fefffe"/>
-              </a:solidFill>
-              <a:latin typeface="CoFo Sans"/>
+            <a:pPr algn="ctr"/>
+            <a:endParaRPr b="0" lang="ru-RU" sz="4400" spc="-1" strike="noStrike">
+              <a:latin typeface="Arial"/>
             </a:endParaRPr>
           </a:p>
         </p:txBody>
@@ -6111,11 +5736,8 @@
             <a:normAutofit/>
           </a:bodyPr>
           <a:p>
-            <a:endParaRPr b="0" lang="ru-RU" sz="2800" spc="-1" strike="noStrike">
-              <a:solidFill>
-                <a:srgbClr val="fefffe"/>
-              </a:solidFill>
-              <a:latin typeface="CoFo Sans"/>
+            <a:endParaRPr b="0" lang="ru-RU" sz="3200" spc="-1" strike="noStrike">
+              <a:latin typeface="Arial"/>
             </a:endParaRPr>
           </a:p>
         </p:txBody>
@@ -6144,11 +5766,8 @@
             <a:normAutofit/>
           </a:bodyPr>
           <a:p>
-            <a:endParaRPr b="0" lang="ru-RU" sz="2800" spc="-1" strike="noStrike">
-              <a:solidFill>
-                <a:srgbClr val="fefffe"/>
-              </a:solidFill>
-              <a:latin typeface="CoFo Sans"/>
+            <a:endParaRPr b="0" lang="ru-RU" sz="3200" spc="-1" strike="noStrike">
+              <a:latin typeface="Arial"/>
             </a:endParaRPr>
           </a:p>
         </p:txBody>
@@ -6177,11 +5796,8 @@
             <a:normAutofit/>
           </a:bodyPr>
           <a:p>
-            <a:endParaRPr b="0" lang="ru-RU" sz="2800" spc="-1" strike="noStrike">
-              <a:solidFill>
-                <a:srgbClr val="fefffe"/>
-              </a:solidFill>
-              <a:latin typeface="CoFo Sans"/>
+            <a:endParaRPr b="0" lang="ru-RU" sz="3200" spc="-1" strike="noStrike">
+              <a:latin typeface="Arial"/>
             </a:endParaRPr>
           </a:p>
         </p:txBody>
@@ -6232,11 +5848,9 @@
             <a:spAutoFit/>
           </a:bodyPr>
           <a:p>
-            <a:endParaRPr b="0" lang="ru-RU" sz="1800" spc="-1" strike="noStrike">
-              <a:solidFill>
-                <a:srgbClr val="fefffe"/>
-              </a:solidFill>
-              <a:latin typeface="CoFo Sans"/>
+            <a:pPr algn="ctr"/>
+            <a:endParaRPr b="0" lang="ru-RU" sz="4400" spc="-1" strike="noStrike">
+              <a:latin typeface="Arial"/>
             </a:endParaRPr>
           </a:p>
         </p:txBody>
@@ -6265,11 +5879,8 @@
             <a:normAutofit/>
           </a:bodyPr>
           <a:p>
-            <a:endParaRPr b="0" lang="ru-RU" sz="2800" spc="-1" strike="noStrike">
-              <a:solidFill>
-                <a:srgbClr val="fefffe"/>
-              </a:solidFill>
-              <a:latin typeface="CoFo Sans"/>
+            <a:endParaRPr b="0" lang="ru-RU" sz="3200" spc="-1" strike="noStrike">
+              <a:latin typeface="Arial"/>
             </a:endParaRPr>
           </a:p>
         </p:txBody>
@@ -6298,11 +5909,8 @@
             <a:normAutofit/>
           </a:bodyPr>
           <a:p>
-            <a:endParaRPr b="0" lang="ru-RU" sz="2800" spc="-1" strike="noStrike">
-              <a:solidFill>
-                <a:srgbClr val="fefffe"/>
-              </a:solidFill>
-              <a:latin typeface="CoFo Sans"/>
+            <a:endParaRPr b="0" lang="ru-RU" sz="3200" spc="-1" strike="noStrike">
+              <a:latin typeface="Arial"/>
             </a:endParaRPr>
           </a:p>
         </p:txBody>
@@ -6353,11 +5961,9 @@
             <a:spAutoFit/>
           </a:bodyPr>
           <a:p>
-            <a:endParaRPr b="0" lang="ru-RU" sz="1800" spc="-1" strike="noStrike">
-              <a:solidFill>
-                <a:srgbClr val="fefffe"/>
-              </a:solidFill>
-              <a:latin typeface="CoFo Sans"/>
+            <a:pPr algn="ctr"/>
+            <a:endParaRPr b="0" lang="ru-RU" sz="4400" spc="-1" strike="noStrike">
+              <a:latin typeface="Arial"/>
             </a:endParaRPr>
           </a:p>
         </p:txBody>
@@ -6386,11 +5992,8 @@
             <a:normAutofit/>
           </a:bodyPr>
           <a:p>
-            <a:endParaRPr b="0" lang="ru-RU" sz="2800" spc="-1" strike="noStrike">
-              <a:solidFill>
-                <a:srgbClr val="fefffe"/>
-              </a:solidFill>
-              <a:latin typeface="CoFo Sans"/>
+            <a:endParaRPr b="0" lang="ru-RU" sz="3200" spc="-1" strike="noStrike">
+              <a:latin typeface="Arial"/>
             </a:endParaRPr>
           </a:p>
         </p:txBody>
@@ -6419,11 +6022,8 @@
             <a:normAutofit/>
           </a:bodyPr>
           <a:p>
-            <a:endParaRPr b="0" lang="ru-RU" sz="2800" spc="-1" strike="noStrike">
-              <a:solidFill>
-                <a:srgbClr val="fefffe"/>
-              </a:solidFill>
-              <a:latin typeface="CoFo Sans"/>
+            <a:endParaRPr b="0" lang="ru-RU" sz="3200" spc="-1" strike="noStrike">
+              <a:latin typeface="Arial"/>
             </a:endParaRPr>
           </a:p>
         </p:txBody>
@@ -6452,11 +6052,8 @@
             <a:normAutofit/>
           </a:bodyPr>
           <a:p>
-            <a:endParaRPr b="0" lang="ru-RU" sz="2800" spc="-1" strike="noStrike">
-              <a:solidFill>
-                <a:srgbClr val="fefffe"/>
-              </a:solidFill>
-              <a:latin typeface="CoFo Sans"/>
+            <a:endParaRPr b="0" lang="ru-RU" sz="3200" spc="-1" strike="noStrike">
+              <a:latin typeface="Arial"/>
             </a:endParaRPr>
           </a:p>
         </p:txBody>
@@ -6485,11 +6082,8 @@
             <a:normAutofit/>
           </a:bodyPr>
           <a:p>
-            <a:endParaRPr b="0" lang="ru-RU" sz="2800" spc="-1" strike="noStrike">
-              <a:solidFill>
-                <a:srgbClr val="fefffe"/>
-              </a:solidFill>
-              <a:latin typeface="CoFo Sans"/>
+            <a:endParaRPr b="0" lang="ru-RU" sz="3200" spc="-1" strike="noStrike">
+              <a:latin typeface="Arial"/>
             </a:endParaRPr>
           </a:p>
         </p:txBody>
@@ -6593,11 +6187,9 @@
             <a:spAutoFit/>
           </a:bodyPr>
           <a:p>
-            <a:endParaRPr b="0" lang="ru-RU" sz="1800" spc="-1" strike="noStrike">
-              <a:solidFill>
-                <a:srgbClr val="fefffe"/>
-              </a:solidFill>
-              <a:latin typeface="CoFo Sans"/>
+            <a:pPr algn="ctr"/>
+            <a:endParaRPr b="0" lang="ru-RU" sz="4400" spc="-1" strike="noStrike">
+              <a:latin typeface="Arial"/>
             </a:endParaRPr>
           </a:p>
         </p:txBody>
@@ -6626,11 +6218,8 @@
             <a:normAutofit/>
           </a:bodyPr>
           <a:p>
-            <a:endParaRPr b="0" lang="ru-RU" sz="2800" spc="-1" strike="noStrike">
-              <a:solidFill>
-                <a:srgbClr val="fefffe"/>
-              </a:solidFill>
-              <a:latin typeface="CoFo Sans"/>
+            <a:endParaRPr b="0" lang="ru-RU" sz="3200" spc="-1" strike="noStrike">
+              <a:latin typeface="Arial"/>
             </a:endParaRPr>
           </a:p>
         </p:txBody>
@@ -6659,11 +6248,8 @@
             <a:normAutofit/>
           </a:bodyPr>
           <a:p>
-            <a:endParaRPr b="0" lang="ru-RU" sz="2800" spc="-1" strike="noStrike">
-              <a:solidFill>
-                <a:srgbClr val="fefffe"/>
-              </a:solidFill>
-              <a:latin typeface="CoFo Sans"/>
+            <a:endParaRPr b="0" lang="ru-RU" sz="3200" spc="-1" strike="noStrike">
+              <a:latin typeface="Arial"/>
             </a:endParaRPr>
           </a:p>
         </p:txBody>
@@ -6692,11 +6278,8 @@
             <a:normAutofit/>
           </a:bodyPr>
           <a:p>
-            <a:endParaRPr b="0" lang="ru-RU" sz="2800" spc="-1" strike="noStrike">
-              <a:solidFill>
-                <a:srgbClr val="fefffe"/>
-              </a:solidFill>
-              <a:latin typeface="CoFo Sans"/>
+            <a:endParaRPr b="0" lang="ru-RU" sz="3200" spc="-1" strike="noStrike">
+              <a:latin typeface="Arial"/>
             </a:endParaRPr>
           </a:p>
         </p:txBody>
@@ -6725,11 +6308,8 @@
             <a:normAutofit/>
           </a:bodyPr>
           <a:p>
-            <a:endParaRPr b="0" lang="ru-RU" sz="2800" spc="-1" strike="noStrike">
-              <a:solidFill>
-                <a:srgbClr val="fefffe"/>
-              </a:solidFill>
-              <a:latin typeface="CoFo Sans"/>
+            <a:endParaRPr b="0" lang="ru-RU" sz="3200" spc="-1" strike="noStrike">
+              <a:latin typeface="Arial"/>
             </a:endParaRPr>
           </a:p>
         </p:txBody>
@@ -6758,11 +6338,8 @@
             <a:normAutofit/>
           </a:bodyPr>
           <a:p>
-            <a:endParaRPr b="0" lang="ru-RU" sz="2800" spc="-1" strike="noStrike">
-              <a:solidFill>
-                <a:srgbClr val="fefffe"/>
-              </a:solidFill>
-              <a:latin typeface="CoFo Sans"/>
+            <a:endParaRPr b="0" lang="ru-RU" sz="3200" spc="-1" strike="noStrike">
+              <a:latin typeface="Arial"/>
             </a:endParaRPr>
           </a:p>
         </p:txBody>
@@ -6791,11 +6368,8 @@
             <a:normAutofit/>
           </a:bodyPr>
           <a:p>
-            <a:endParaRPr b="0" lang="ru-RU" sz="2800" spc="-1" strike="noStrike">
-              <a:solidFill>
-                <a:srgbClr val="fefffe"/>
-              </a:solidFill>
-              <a:latin typeface="CoFo Sans"/>
+            <a:endParaRPr b="0" lang="ru-RU" sz="3200" spc="-1" strike="noStrike">
+              <a:latin typeface="Arial"/>
             </a:endParaRPr>
           </a:p>
         </p:txBody>
@@ -6846,11 +6420,9 @@
             <a:spAutoFit/>
           </a:bodyPr>
           <a:p>
-            <a:endParaRPr b="0" lang="ru-RU" sz="1800" spc="-1" strike="noStrike">
-              <a:solidFill>
-                <a:srgbClr val="fefffe"/>
-              </a:solidFill>
-              <a:latin typeface="CoFo Sans"/>
+            <a:pPr algn="ctr"/>
+            <a:endParaRPr b="0" lang="ru-RU" sz="4400" spc="-1" strike="noStrike">
+              <a:latin typeface="Arial"/>
             </a:endParaRPr>
           </a:p>
         </p:txBody>
@@ -6879,11 +6451,8 @@
             <a:normAutofit/>
           </a:bodyPr>
           <a:p>
-            <a:endParaRPr b="0" lang="ru-RU" sz="2800" spc="-1" strike="noStrike">
-              <a:solidFill>
-                <a:srgbClr val="fefffe"/>
-              </a:solidFill>
-              <a:latin typeface="CoFo Sans"/>
+            <a:endParaRPr b="0" lang="ru-RU" sz="3200" spc="-1" strike="noStrike">
+              <a:latin typeface="Arial"/>
             </a:endParaRPr>
           </a:p>
         </p:txBody>
@@ -6912,11 +6481,8 @@
             <a:normAutofit/>
           </a:bodyPr>
           <a:p>
-            <a:endParaRPr b="0" lang="ru-RU" sz="2800" spc="-1" strike="noStrike">
-              <a:solidFill>
-                <a:srgbClr val="fefffe"/>
-              </a:solidFill>
-              <a:latin typeface="CoFo Sans"/>
+            <a:endParaRPr b="0" lang="ru-RU" sz="3200" spc="-1" strike="noStrike">
+              <a:latin typeface="Arial"/>
             </a:endParaRPr>
           </a:p>
         </p:txBody>
@@ -6945,11 +6511,8 @@
             <a:normAutofit/>
           </a:bodyPr>
           <a:p>
-            <a:endParaRPr b="0" lang="ru-RU" sz="2800" spc="-1" strike="noStrike">
-              <a:solidFill>
-                <a:srgbClr val="fefffe"/>
-              </a:solidFill>
-              <a:latin typeface="CoFo Sans"/>
+            <a:endParaRPr b="0" lang="ru-RU" sz="3200" spc="-1" strike="noStrike">
+              <a:latin typeface="Arial"/>
             </a:endParaRPr>
           </a:p>
         </p:txBody>
@@ -7000,11 +6563,9 @@
             <a:spAutoFit/>
           </a:bodyPr>
           <a:p>
-            <a:endParaRPr b="0" lang="ru-RU" sz="1800" spc="-1" strike="noStrike">
-              <a:solidFill>
-                <a:srgbClr val="fefffe"/>
-              </a:solidFill>
-              <a:latin typeface="CoFo Sans"/>
+            <a:pPr algn="ctr"/>
+            <a:endParaRPr b="0" lang="ru-RU" sz="4400" spc="-1" strike="noStrike">
+              <a:latin typeface="Arial"/>
             </a:endParaRPr>
           </a:p>
         </p:txBody>
@@ -7033,11 +6594,8 @@
             <a:normAutofit/>
           </a:bodyPr>
           <a:p>
-            <a:endParaRPr b="0" lang="ru-RU" sz="2800" spc="-1" strike="noStrike">
-              <a:solidFill>
-                <a:srgbClr val="fefffe"/>
-              </a:solidFill>
-              <a:latin typeface="CoFo Sans"/>
+            <a:endParaRPr b="0" lang="ru-RU" sz="3200" spc="-1" strike="noStrike">
+              <a:latin typeface="Arial"/>
             </a:endParaRPr>
           </a:p>
         </p:txBody>
@@ -7066,11 +6624,8 @@
             <a:normAutofit/>
           </a:bodyPr>
           <a:p>
-            <a:endParaRPr b="0" lang="ru-RU" sz="2800" spc="-1" strike="noStrike">
-              <a:solidFill>
-                <a:srgbClr val="fefffe"/>
-              </a:solidFill>
-              <a:latin typeface="CoFo Sans"/>
+            <a:endParaRPr b="0" lang="ru-RU" sz="3200" spc="-1" strike="noStrike">
+              <a:latin typeface="Arial"/>
             </a:endParaRPr>
           </a:p>
         </p:txBody>
@@ -7099,11 +6654,8 @@
             <a:normAutofit/>
           </a:bodyPr>
           <a:p>
-            <a:endParaRPr b="0" lang="ru-RU" sz="2800" spc="-1" strike="noStrike">
-              <a:solidFill>
-                <a:srgbClr val="fefffe"/>
-              </a:solidFill>
-              <a:latin typeface="CoFo Sans"/>
+            <a:endParaRPr b="0" lang="ru-RU" sz="3200" spc="-1" strike="noStrike">
+              <a:latin typeface="Arial"/>
             </a:endParaRPr>
           </a:p>
         </p:txBody>
@@ -7154,11 +6706,9 @@
             <a:spAutoFit/>
           </a:bodyPr>
           <a:p>
-            <a:endParaRPr b="0" lang="ru-RU" sz="1800" spc="-1" strike="noStrike">
-              <a:solidFill>
-                <a:srgbClr val="fefffe"/>
-              </a:solidFill>
-              <a:latin typeface="CoFo Sans"/>
+            <a:pPr algn="ctr"/>
+            <a:endParaRPr b="0" lang="ru-RU" sz="4400" spc="-1" strike="noStrike">
+              <a:latin typeface="Arial"/>
             </a:endParaRPr>
           </a:p>
         </p:txBody>
@@ -7187,11 +6737,8 @@
             <a:normAutofit/>
           </a:bodyPr>
           <a:p>
-            <a:endParaRPr b="0" lang="ru-RU" sz="2800" spc="-1" strike="noStrike">
-              <a:solidFill>
-                <a:srgbClr val="fefffe"/>
-              </a:solidFill>
-              <a:latin typeface="CoFo Sans"/>
+            <a:endParaRPr b="0" lang="ru-RU" sz="3200" spc="-1" strike="noStrike">
+              <a:latin typeface="Arial"/>
             </a:endParaRPr>
           </a:p>
         </p:txBody>
@@ -7220,11 +6767,8 @@
             <a:normAutofit/>
           </a:bodyPr>
           <a:p>
-            <a:endParaRPr b="0" lang="ru-RU" sz="2800" spc="-1" strike="noStrike">
-              <a:solidFill>
-                <a:srgbClr val="fefffe"/>
-              </a:solidFill>
-              <a:latin typeface="CoFo Sans"/>
+            <a:endParaRPr b="0" lang="ru-RU" sz="3200" spc="-1" strike="noStrike">
+              <a:latin typeface="Arial"/>
             </a:endParaRPr>
           </a:p>
         </p:txBody>
@@ -7253,11 +6797,8 @@
             <a:normAutofit/>
           </a:bodyPr>
           <a:p>
-            <a:endParaRPr b="0" lang="ru-RU" sz="2800" spc="-1" strike="noStrike">
-              <a:solidFill>
-                <a:srgbClr val="fefffe"/>
-              </a:solidFill>
-              <a:latin typeface="CoFo Sans"/>
+            <a:endParaRPr b="0" lang="ru-RU" sz="3200" spc="-1" strike="noStrike">
+              <a:latin typeface="Arial"/>
             </a:endParaRPr>
           </a:p>
         </p:txBody>
@@ -7307,7 +6848,7 @@
         <p:spPr>
           <a:xfrm>
             <a:off x="10409760" y="6229440"/>
-            <a:ext cx="1338120" cy="178920"/>
+            <a:ext cx="1337760" cy="178560"/>
           </a:xfrm>
           <a:prstGeom prst="rect">
             <a:avLst/>
@@ -7330,7 +6871,7 @@
         <p:spPr>
           <a:xfrm>
             <a:off x="442800" y="6222240"/>
-            <a:ext cx="126360" cy="193320"/>
+            <a:ext cx="126000" cy="192960"/>
           </a:xfrm>
           <a:prstGeom prst="rect">
             <a:avLst/>
@@ -7353,7 +6894,7 @@
         <p:spPr>
           <a:xfrm>
             <a:off x="442800" y="6222240"/>
-            <a:ext cx="126720" cy="193320"/>
+            <a:ext cx="126360" cy="192960"/>
           </a:xfrm>
           <a:prstGeom prst="rect">
             <a:avLst/>
@@ -7376,7 +6917,7 @@
         <p:spPr>
           <a:xfrm>
             <a:off x="10409760" y="6229440"/>
-            <a:ext cx="1339200" cy="178920"/>
+            <a:ext cx="1338840" cy="178560"/>
           </a:xfrm>
           <a:prstGeom prst="rect">
             <a:avLst/>
@@ -7410,20 +6951,15 @@
             <a:noAutofit/>
           </a:bodyPr>
           <a:p>
+            <a:pPr algn="ctr"/>
             <a:r>
-              <a:rPr b="0" lang="ru-RU" sz="1800" spc="-1" strike="noStrike">
-                <a:solidFill>
-                  <a:srgbClr val="fefffe"/>
-                </a:solidFill>
-                <a:latin typeface="CoFo Sans"/>
+              <a:rPr b="0" lang="ru-RU" sz="4400" spc="-1" strike="noStrike">
+                <a:latin typeface="Arial"/>
               </a:rPr>
               <a:t>Click to edit the title text format</a:t>
             </a:r>
-            <a:endParaRPr b="0" lang="ru-RU" sz="1800" spc="-1" strike="noStrike">
-              <a:solidFill>
-                <a:srgbClr val="fefffe"/>
-              </a:solidFill>
-              <a:latin typeface="CoFo Sans"/>
+            <a:endParaRPr b="0" lang="ru-RU" sz="4400" spc="-1" strike="noStrike">
+              <a:latin typeface="Arial"/>
             </a:endParaRPr>
           </a:p>
         </p:txBody>
@@ -7464,19 +7000,13 @@
               <a:buChar char=""/>
             </a:pPr>
             <a:r>
-              <a:rPr b="0" lang="ru-RU" sz="2800" spc="-1" strike="noStrike">
-                <a:solidFill>
-                  <a:srgbClr val="fefffe"/>
-                </a:solidFill>
-                <a:latin typeface="CoFo Sans"/>
+              <a:rPr b="0" lang="ru-RU" sz="3200" spc="-1" strike="noStrike">
+                <a:latin typeface="Arial"/>
               </a:rPr>
               <a:t>Click to edit the outline text format</a:t>
             </a:r>
-            <a:endParaRPr b="0" lang="ru-RU" sz="2800" spc="-1" strike="noStrike">
-              <a:solidFill>
-                <a:srgbClr val="fefffe"/>
-              </a:solidFill>
-              <a:latin typeface="CoFo Sans"/>
+            <a:endParaRPr b="0" lang="ru-RU" sz="3200" spc="-1" strike="noStrike">
+              <a:latin typeface="Arial"/>
             </a:endParaRPr>
           </a:p>
           <a:p>
@@ -7492,19 +7022,13 @@
               <a:buChar char=""/>
             </a:pPr>
             <a:r>
-              <a:rPr b="0" lang="ru-RU" sz="2000" spc="-1" strike="noStrike">
-                <a:solidFill>
-                  <a:srgbClr val="fefffe"/>
-                </a:solidFill>
-                <a:latin typeface="CoFo Sans"/>
+              <a:rPr b="0" lang="ru-RU" sz="2800" spc="-1" strike="noStrike">
+                <a:latin typeface="Arial"/>
               </a:rPr>
               <a:t>Second Outline Level</a:t>
             </a:r>
-            <a:endParaRPr b="0" lang="ru-RU" sz="2000" spc="-1" strike="noStrike">
-              <a:solidFill>
-                <a:srgbClr val="fefffe"/>
-              </a:solidFill>
-              <a:latin typeface="CoFo Sans"/>
+            <a:endParaRPr b="0" lang="ru-RU" sz="2800" spc="-1" strike="noStrike">
+              <a:latin typeface="Arial"/>
             </a:endParaRPr>
           </a:p>
           <a:p>
@@ -7520,19 +7044,13 @@
               <a:buChar char=""/>
             </a:pPr>
             <a:r>
-              <a:rPr b="0" lang="ru-RU" sz="1800" spc="-1" strike="noStrike">
-                <a:solidFill>
-                  <a:srgbClr val="fefffe"/>
-                </a:solidFill>
-                <a:latin typeface="CoFo Sans"/>
+              <a:rPr b="0" lang="ru-RU" sz="2400" spc="-1" strike="noStrike">
+                <a:latin typeface="Arial"/>
               </a:rPr>
               <a:t>Third Outline Level</a:t>
             </a:r>
-            <a:endParaRPr b="0" lang="ru-RU" sz="1800" spc="-1" strike="noStrike">
-              <a:solidFill>
-                <a:srgbClr val="fefffe"/>
-              </a:solidFill>
-              <a:latin typeface="CoFo Sans"/>
+            <a:endParaRPr b="0" lang="ru-RU" sz="2400" spc="-1" strike="noStrike">
+              <a:latin typeface="Arial"/>
             </a:endParaRPr>
           </a:p>
           <a:p>
@@ -7548,19 +7066,13 @@
               <a:buChar char=""/>
             </a:pPr>
             <a:r>
-              <a:rPr b="0" lang="ru-RU" sz="1800" spc="-1" strike="noStrike">
-                <a:solidFill>
-                  <a:srgbClr val="fefffe"/>
-                </a:solidFill>
-                <a:latin typeface="CoFo Sans"/>
+              <a:rPr b="0" lang="ru-RU" sz="2000" spc="-1" strike="noStrike">
+                <a:latin typeface="Arial"/>
               </a:rPr>
               <a:t>Fourth Outline Level</a:t>
             </a:r>
-            <a:endParaRPr b="0" lang="ru-RU" sz="1800" spc="-1" strike="noStrike">
-              <a:solidFill>
-                <a:srgbClr val="fefffe"/>
-              </a:solidFill>
-              <a:latin typeface="CoFo Sans"/>
+            <a:endParaRPr b="0" lang="ru-RU" sz="2000" spc="-1" strike="noStrike">
+              <a:latin typeface="Arial"/>
             </a:endParaRPr>
           </a:p>
           <a:p>
@@ -7577,18 +7089,12 @@
             </a:pPr>
             <a:r>
               <a:rPr b="0" lang="ru-RU" sz="2000" spc="-1" strike="noStrike">
-                <a:solidFill>
-                  <a:srgbClr val="fefffe"/>
-                </a:solidFill>
-                <a:latin typeface="CoFo Sans"/>
+                <a:latin typeface="Arial"/>
               </a:rPr>
               <a:t>Fifth Outline Level</a:t>
             </a:r>
             <a:endParaRPr b="0" lang="ru-RU" sz="2000" spc="-1" strike="noStrike">
-              <a:solidFill>
-                <a:srgbClr val="fefffe"/>
-              </a:solidFill>
-              <a:latin typeface="CoFo Sans"/>
+              <a:latin typeface="Arial"/>
             </a:endParaRPr>
           </a:p>
           <a:p>
@@ -7605,18 +7111,12 @@
             </a:pPr>
             <a:r>
               <a:rPr b="0" lang="ru-RU" sz="2000" spc="-1" strike="noStrike">
-                <a:solidFill>
-                  <a:srgbClr val="fefffe"/>
-                </a:solidFill>
-                <a:latin typeface="CoFo Sans"/>
+                <a:latin typeface="Arial"/>
               </a:rPr>
               <a:t>Sixth Outline Level</a:t>
             </a:r>
             <a:endParaRPr b="0" lang="ru-RU" sz="2000" spc="-1" strike="noStrike">
-              <a:solidFill>
-                <a:srgbClr val="fefffe"/>
-              </a:solidFill>
-              <a:latin typeface="CoFo Sans"/>
+              <a:latin typeface="Arial"/>
             </a:endParaRPr>
           </a:p>
           <a:p>
@@ -7633,18 +7133,12 @@
             </a:pPr>
             <a:r>
               <a:rPr b="0" lang="ru-RU" sz="2000" spc="-1" strike="noStrike">
-                <a:solidFill>
-                  <a:srgbClr val="fefffe"/>
-                </a:solidFill>
-                <a:latin typeface="CoFo Sans"/>
+                <a:latin typeface="Arial"/>
               </a:rPr>
               <a:t>Seventh Outline Level</a:t>
             </a:r>
             <a:endParaRPr b="0" lang="ru-RU" sz="2000" spc="-1" strike="noStrike">
-              <a:solidFill>
-                <a:srgbClr val="fefffe"/>
-              </a:solidFill>
-              <a:latin typeface="CoFo Sans"/>
+              <a:latin typeface="Arial"/>
             </a:endParaRPr>
           </a:p>
         </p:txBody>
@@ -7706,7 +7200,7 @@
         <p:spPr>
           <a:xfrm>
             <a:off x="10409760" y="6229440"/>
-            <a:ext cx="1338120" cy="178920"/>
+            <a:ext cx="1337760" cy="178560"/>
           </a:xfrm>
           <a:prstGeom prst="rect">
             <a:avLst/>
@@ -7729,7 +7223,7 @@
         <p:spPr>
           <a:xfrm>
             <a:off x="442800" y="6222240"/>
-            <a:ext cx="126360" cy="193320"/>
+            <a:ext cx="126000" cy="192960"/>
           </a:xfrm>
           <a:prstGeom prst="rect">
             <a:avLst/>
@@ -7748,7 +7242,7 @@
         <p:spPr>
           <a:xfrm>
             <a:off x="442800" y="1089000"/>
-            <a:ext cx="5544000" cy="4678920"/>
+            <a:ext cx="5543640" cy="4678560"/>
           </a:xfrm>
           <a:prstGeom prst="roundRect">
             <a:avLst>
@@ -7779,7 +7273,7 @@
         <p:spPr>
           <a:xfrm>
             <a:off x="6203880" y="1089000"/>
-            <a:ext cx="5544000" cy="4678920"/>
+            <a:ext cx="5543640" cy="4678560"/>
           </a:xfrm>
           <a:prstGeom prst="roundRect">
             <a:avLst>
@@ -7825,20 +7319,15 @@
             <a:noAutofit/>
           </a:bodyPr>
           <a:p>
+            <a:pPr algn="ctr"/>
             <a:r>
-              <a:rPr b="0" lang="ru-RU" sz="1800" spc="-1" strike="noStrike">
-                <a:solidFill>
-                  <a:srgbClr val="fefffe"/>
-                </a:solidFill>
-                <a:latin typeface="CoFo Sans"/>
+              <a:rPr b="0" lang="ru-RU" sz="4400" spc="-1" strike="noStrike">
+                <a:latin typeface="Arial"/>
               </a:rPr>
               <a:t>Click to edit the title text format</a:t>
             </a:r>
-            <a:endParaRPr b="0" lang="ru-RU" sz="1800" spc="-1" strike="noStrike">
-              <a:solidFill>
-                <a:srgbClr val="fefffe"/>
-              </a:solidFill>
-              <a:latin typeface="CoFo Sans"/>
+            <a:endParaRPr b="0" lang="ru-RU" sz="4400" spc="-1" strike="noStrike">
+              <a:latin typeface="Arial"/>
             </a:endParaRPr>
           </a:p>
         </p:txBody>
@@ -7879,19 +7368,13 @@
               <a:buChar char=""/>
             </a:pPr>
             <a:r>
-              <a:rPr b="0" lang="ru-RU" sz="2800" spc="-1" strike="noStrike">
-                <a:solidFill>
-                  <a:srgbClr val="fefffe"/>
-                </a:solidFill>
-                <a:latin typeface="CoFo Sans"/>
+              <a:rPr b="0" lang="ru-RU" sz="3200" spc="-1" strike="noStrike">
+                <a:latin typeface="Arial"/>
               </a:rPr>
               <a:t>Click to edit the outline text format</a:t>
             </a:r>
-            <a:endParaRPr b="0" lang="ru-RU" sz="2800" spc="-1" strike="noStrike">
-              <a:solidFill>
-                <a:srgbClr val="fefffe"/>
-              </a:solidFill>
-              <a:latin typeface="CoFo Sans"/>
+            <a:endParaRPr b="0" lang="ru-RU" sz="3200" spc="-1" strike="noStrike">
+              <a:latin typeface="Arial"/>
             </a:endParaRPr>
           </a:p>
           <a:p>
@@ -7907,19 +7390,13 @@
               <a:buChar char=""/>
             </a:pPr>
             <a:r>
-              <a:rPr b="0" lang="ru-RU" sz="2000" spc="-1" strike="noStrike">
-                <a:solidFill>
-                  <a:srgbClr val="fefffe"/>
-                </a:solidFill>
-                <a:latin typeface="CoFo Sans"/>
+              <a:rPr b="0" lang="ru-RU" sz="2800" spc="-1" strike="noStrike">
+                <a:latin typeface="Arial"/>
               </a:rPr>
               <a:t>Second Outline Level</a:t>
             </a:r>
-            <a:endParaRPr b="0" lang="ru-RU" sz="2000" spc="-1" strike="noStrike">
-              <a:solidFill>
-                <a:srgbClr val="fefffe"/>
-              </a:solidFill>
-              <a:latin typeface="CoFo Sans"/>
+            <a:endParaRPr b="0" lang="ru-RU" sz="2800" spc="-1" strike="noStrike">
+              <a:latin typeface="Arial"/>
             </a:endParaRPr>
           </a:p>
           <a:p>
@@ -7935,19 +7412,13 @@
               <a:buChar char=""/>
             </a:pPr>
             <a:r>
-              <a:rPr b="0" lang="ru-RU" sz="1800" spc="-1" strike="noStrike">
-                <a:solidFill>
-                  <a:srgbClr val="fefffe"/>
-                </a:solidFill>
-                <a:latin typeface="CoFo Sans"/>
+              <a:rPr b="0" lang="ru-RU" sz="2400" spc="-1" strike="noStrike">
+                <a:latin typeface="Arial"/>
               </a:rPr>
               <a:t>Third Outline Level</a:t>
             </a:r>
-            <a:endParaRPr b="0" lang="ru-RU" sz="1800" spc="-1" strike="noStrike">
-              <a:solidFill>
-                <a:srgbClr val="fefffe"/>
-              </a:solidFill>
-              <a:latin typeface="CoFo Sans"/>
+            <a:endParaRPr b="0" lang="ru-RU" sz="2400" spc="-1" strike="noStrike">
+              <a:latin typeface="Arial"/>
             </a:endParaRPr>
           </a:p>
           <a:p>
@@ -7963,19 +7434,13 @@
               <a:buChar char=""/>
             </a:pPr>
             <a:r>
-              <a:rPr b="0" lang="ru-RU" sz="1800" spc="-1" strike="noStrike">
-                <a:solidFill>
-                  <a:srgbClr val="fefffe"/>
-                </a:solidFill>
-                <a:latin typeface="CoFo Sans"/>
+              <a:rPr b="0" lang="ru-RU" sz="2000" spc="-1" strike="noStrike">
+                <a:latin typeface="Arial"/>
               </a:rPr>
               <a:t>Fourth Outline Level</a:t>
             </a:r>
-            <a:endParaRPr b="0" lang="ru-RU" sz="1800" spc="-1" strike="noStrike">
-              <a:solidFill>
-                <a:srgbClr val="fefffe"/>
-              </a:solidFill>
-              <a:latin typeface="CoFo Sans"/>
+            <a:endParaRPr b="0" lang="ru-RU" sz="2000" spc="-1" strike="noStrike">
+              <a:latin typeface="Arial"/>
             </a:endParaRPr>
           </a:p>
           <a:p>
@@ -7992,18 +7457,12 @@
             </a:pPr>
             <a:r>
               <a:rPr b="0" lang="ru-RU" sz="2000" spc="-1" strike="noStrike">
-                <a:solidFill>
-                  <a:srgbClr val="fefffe"/>
-                </a:solidFill>
-                <a:latin typeface="CoFo Sans"/>
+                <a:latin typeface="Arial"/>
               </a:rPr>
               <a:t>Fifth Outline Level</a:t>
             </a:r>
             <a:endParaRPr b="0" lang="ru-RU" sz="2000" spc="-1" strike="noStrike">
-              <a:solidFill>
-                <a:srgbClr val="fefffe"/>
-              </a:solidFill>
-              <a:latin typeface="CoFo Sans"/>
+              <a:latin typeface="Arial"/>
             </a:endParaRPr>
           </a:p>
           <a:p>
@@ -8020,18 +7479,12 @@
             </a:pPr>
             <a:r>
               <a:rPr b="0" lang="ru-RU" sz="2000" spc="-1" strike="noStrike">
-                <a:solidFill>
-                  <a:srgbClr val="fefffe"/>
-                </a:solidFill>
-                <a:latin typeface="CoFo Sans"/>
+                <a:latin typeface="Arial"/>
               </a:rPr>
               <a:t>Sixth Outline Level</a:t>
             </a:r>
             <a:endParaRPr b="0" lang="ru-RU" sz="2000" spc="-1" strike="noStrike">
-              <a:solidFill>
-                <a:srgbClr val="fefffe"/>
-              </a:solidFill>
-              <a:latin typeface="CoFo Sans"/>
+              <a:latin typeface="Arial"/>
             </a:endParaRPr>
           </a:p>
           <a:p>
@@ -8048,18 +7501,12 @@
             </a:pPr>
             <a:r>
               <a:rPr b="0" lang="ru-RU" sz="2000" spc="-1" strike="noStrike">
-                <a:solidFill>
-                  <a:srgbClr val="fefffe"/>
-                </a:solidFill>
-                <a:latin typeface="CoFo Sans"/>
+                <a:latin typeface="Arial"/>
               </a:rPr>
               <a:t>Seventh Outline Level</a:t>
             </a:r>
             <a:endParaRPr b="0" lang="ru-RU" sz="2000" spc="-1" strike="noStrike">
-              <a:solidFill>
-                <a:srgbClr val="fefffe"/>
-              </a:solidFill>
-              <a:latin typeface="CoFo Sans"/>
+              <a:latin typeface="Arial"/>
             </a:endParaRPr>
           </a:p>
         </p:txBody>
@@ -8121,7 +7568,7 @@
         <p:spPr>
           <a:xfrm>
             <a:off x="10409760" y="6229440"/>
-            <a:ext cx="1338120" cy="178920"/>
+            <a:ext cx="1337760" cy="178560"/>
           </a:xfrm>
           <a:prstGeom prst="rect">
             <a:avLst/>
@@ -8144,7 +7591,7 @@
         <p:spPr>
           <a:xfrm>
             <a:off x="442800" y="6222240"/>
-            <a:ext cx="126360" cy="193320"/>
+            <a:ext cx="126000" cy="192960"/>
           </a:xfrm>
           <a:prstGeom prst="rect">
             <a:avLst/>
@@ -8178,20 +7625,15 @@
             <a:noAutofit/>
           </a:bodyPr>
           <a:p>
+            <a:pPr algn="ctr"/>
             <a:r>
-              <a:rPr b="0" lang="ru-RU" sz="1800" spc="-1" strike="noStrike">
-                <a:solidFill>
-                  <a:srgbClr val="fefffe"/>
-                </a:solidFill>
-                <a:latin typeface="CoFo Sans"/>
+              <a:rPr b="0" lang="ru-RU" sz="4400" spc="-1" strike="noStrike">
+                <a:latin typeface="Arial"/>
               </a:rPr>
               <a:t>Click to edit the title text format</a:t>
             </a:r>
-            <a:endParaRPr b="0" lang="ru-RU" sz="1800" spc="-1" strike="noStrike">
-              <a:solidFill>
-                <a:srgbClr val="fefffe"/>
-              </a:solidFill>
-              <a:latin typeface="CoFo Sans"/>
+            <a:endParaRPr b="0" lang="ru-RU" sz="4400" spc="-1" strike="noStrike">
+              <a:latin typeface="Arial"/>
             </a:endParaRPr>
           </a:p>
         </p:txBody>
@@ -8232,19 +7674,13 @@
               <a:buChar char=""/>
             </a:pPr>
             <a:r>
-              <a:rPr b="0" lang="ru-RU" sz="2800" spc="-1" strike="noStrike">
-                <a:solidFill>
-                  <a:srgbClr val="fefffe"/>
-                </a:solidFill>
-                <a:latin typeface="CoFo Sans"/>
+              <a:rPr b="0" lang="ru-RU" sz="3200" spc="-1" strike="noStrike">
+                <a:latin typeface="Arial"/>
               </a:rPr>
               <a:t>Click to edit the outline text format</a:t>
             </a:r>
-            <a:endParaRPr b="0" lang="ru-RU" sz="2800" spc="-1" strike="noStrike">
-              <a:solidFill>
-                <a:srgbClr val="fefffe"/>
-              </a:solidFill>
-              <a:latin typeface="CoFo Sans"/>
+            <a:endParaRPr b="0" lang="ru-RU" sz="3200" spc="-1" strike="noStrike">
+              <a:latin typeface="Arial"/>
             </a:endParaRPr>
           </a:p>
           <a:p>
@@ -8260,19 +7696,13 @@
               <a:buChar char=""/>
             </a:pPr>
             <a:r>
-              <a:rPr b="0" lang="ru-RU" sz="2000" spc="-1" strike="noStrike">
-                <a:solidFill>
-                  <a:srgbClr val="fefffe"/>
-                </a:solidFill>
-                <a:latin typeface="CoFo Sans"/>
+              <a:rPr b="0" lang="ru-RU" sz="2800" spc="-1" strike="noStrike">
+                <a:latin typeface="Arial"/>
               </a:rPr>
               <a:t>Second Outline Level</a:t>
             </a:r>
-            <a:endParaRPr b="0" lang="ru-RU" sz="2000" spc="-1" strike="noStrike">
-              <a:solidFill>
-                <a:srgbClr val="fefffe"/>
-              </a:solidFill>
-              <a:latin typeface="CoFo Sans"/>
+            <a:endParaRPr b="0" lang="ru-RU" sz="2800" spc="-1" strike="noStrike">
+              <a:latin typeface="Arial"/>
             </a:endParaRPr>
           </a:p>
           <a:p>
@@ -8288,19 +7718,13 @@
               <a:buChar char=""/>
             </a:pPr>
             <a:r>
-              <a:rPr b="0" lang="ru-RU" sz="1800" spc="-1" strike="noStrike">
-                <a:solidFill>
-                  <a:srgbClr val="fefffe"/>
-                </a:solidFill>
-                <a:latin typeface="CoFo Sans"/>
+              <a:rPr b="0" lang="ru-RU" sz="2400" spc="-1" strike="noStrike">
+                <a:latin typeface="Arial"/>
               </a:rPr>
               <a:t>Third Outline Level</a:t>
             </a:r>
-            <a:endParaRPr b="0" lang="ru-RU" sz="1800" spc="-1" strike="noStrike">
-              <a:solidFill>
-                <a:srgbClr val="fefffe"/>
-              </a:solidFill>
-              <a:latin typeface="CoFo Sans"/>
+            <a:endParaRPr b="0" lang="ru-RU" sz="2400" spc="-1" strike="noStrike">
+              <a:latin typeface="Arial"/>
             </a:endParaRPr>
           </a:p>
           <a:p>
@@ -8316,19 +7740,13 @@
               <a:buChar char=""/>
             </a:pPr>
             <a:r>
-              <a:rPr b="0" lang="ru-RU" sz="1800" spc="-1" strike="noStrike">
-                <a:solidFill>
-                  <a:srgbClr val="fefffe"/>
-                </a:solidFill>
-                <a:latin typeface="CoFo Sans"/>
+              <a:rPr b="0" lang="ru-RU" sz="2000" spc="-1" strike="noStrike">
+                <a:latin typeface="Arial"/>
               </a:rPr>
               <a:t>Fourth Outline Level</a:t>
             </a:r>
-            <a:endParaRPr b="0" lang="ru-RU" sz="1800" spc="-1" strike="noStrike">
-              <a:solidFill>
-                <a:srgbClr val="fefffe"/>
-              </a:solidFill>
-              <a:latin typeface="CoFo Sans"/>
+            <a:endParaRPr b="0" lang="ru-RU" sz="2000" spc="-1" strike="noStrike">
+              <a:latin typeface="Arial"/>
             </a:endParaRPr>
           </a:p>
           <a:p>
@@ -8345,18 +7763,12 @@
             </a:pPr>
             <a:r>
               <a:rPr b="0" lang="ru-RU" sz="2000" spc="-1" strike="noStrike">
-                <a:solidFill>
-                  <a:srgbClr val="fefffe"/>
-                </a:solidFill>
-                <a:latin typeface="CoFo Sans"/>
+                <a:latin typeface="Arial"/>
               </a:rPr>
               <a:t>Fifth Outline Level</a:t>
             </a:r>
             <a:endParaRPr b="0" lang="ru-RU" sz="2000" spc="-1" strike="noStrike">
-              <a:solidFill>
-                <a:srgbClr val="fefffe"/>
-              </a:solidFill>
-              <a:latin typeface="CoFo Sans"/>
+              <a:latin typeface="Arial"/>
             </a:endParaRPr>
           </a:p>
           <a:p>
@@ -8373,18 +7785,12 @@
             </a:pPr>
             <a:r>
               <a:rPr b="0" lang="ru-RU" sz="2000" spc="-1" strike="noStrike">
-                <a:solidFill>
-                  <a:srgbClr val="fefffe"/>
-                </a:solidFill>
-                <a:latin typeface="CoFo Sans"/>
+                <a:latin typeface="Arial"/>
               </a:rPr>
               <a:t>Sixth Outline Level</a:t>
             </a:r>
             <a:endParaRPr b="0" lang="ru-RU" sz="2000" spc="-1" strike="noStrike">
-              <a:solidFill>
-                <a:srgbClr val="fefffe"/>
-              </a:solidFill>
-              <a:latin typeface="CoFo Sans"/>
+              <a:latin typeface="Arial"/>
             </a:endParaRPr>
           </a:p>
           <a:p>
@@ -8401,18 +7807,12 @@
             </a:pPr>
             <a:r>
               <a:rPr b="0" lang="ru-RU" sz="2000" spc="-1" strike="noStrike">
-                <a:solidFill>
-                  <a:srgbClr val="fefffe"/>
-                </a:solidFill>
-                <a:latin typeface="CoFo Sans"/>
+                <a:latin typeface="Arial"/>
               </a:rPr>
               <a:t>Seventh Outline Level</a:t>
             </a:r>
             <a:endParaRPr b="0" lang="ru-RU" sz="2000" spc="-1" strike="noStrike">
-              <a:solidFill>
-                <a:srgbClr val="fefffe"/>
-              </a:solidFill>
-              <a:latin typeface="CoFo Sans"/>
+              <a:latin typeface="Arial"/>
             </a:endParaRPr>
           </a:p>
         </p:txBody>
@@ -8474,7 +7874,7 @@
         <p:spPr>
           <a:xfrm>
             <a:off x="10409760" y="6229440"/>
-            <a:ext cx="1338120" cy="178920"/>
+            <a:ext cx="1337760" cy="178560"/>
           </a:xfrm>
           <a:prstGeom prst="rect">
             <a:avLst/>
@@ -8497,7 +7897,7 @@
         <p:spPr>
           <a:xfrm>
             <a:off x="442800" y="6222240"/>
-            <a:ext cx="126360" cy="193320"/>
+            <a:ext cx="126000" cy="192960"/>
           </a:xfrm>
           <a:prstGeom prst="rect">
             <a:avLst/>
@@ -8531,20 +7931,15 @@
             <a:noAutofit/>
           </a:bodyPr>
           <a:p>
+            <a:pPr algn="ctr"/>
             <a:r>
-              <a:rPr b="0" lang="ru-RU" sz="1800" spc="-1" strike="noStrike">
-                <a:solidFill>
-                  <a:srgbClr val="fefffe"/>
-                </a:solidFill>
-                <a:latin typeface="CoFo Sans"/>
+              <a:rPr b="0" lang="ru-RU" sz="4400" spc="-1" strike="noStrike">
+                <a:latin typeface="Arial"/>
               </a:rPr>
               <a:t>Click to edit the title text format</a:t>
             </a:r>
-            <a:endParaRPr b="0" lang="ru-RU" sz="1800" spc="-1" strike="noStrike">
-              <a:solidFill>
-                <a:srgbClr val="fefffe"/>
-              </a:solidFill>
-              <a:latin typeface="CoFo Sans"/>
+            <a:endParaRPr b="0" lang="ru-RU" sz="4400" spc="-1" strike="noStrike">
+              <a:latin typeface="Arial"/>
             </a:endParaRPr>
           </a:p>
         </p:txBody>
@@ -8585,19 +7980,13 @@
               <a:buChar char=""/>
             </a:pPr>
             <a:r>
-              <a:rPr b="0" lang="ru-RU" sz="2800" spc="-1" strike="noStrike">
-                <a:solidFill>
-                  <a:srgbClr val="fefffe"/>
-                </a:solidFill>
-                <a:latin typeface="CoFo Sans"/>
+              <a:rPr b="0" lang="ru-RU" sz="3200" spc="-1" strike="noStrike">
+                <a:latin typeface="Arial"/>
               </a:rPr>
               <a:t>Click to edit the outline text format</a:t>
             </a:r>
-            <a:endParaRPr b="0" lang="ru-RU" sz="2800" spc="-1" strike="noStrike">
-              <a:solidFill>
-                <a:srgbClr val="fefffe"/>
-              </a:solidFill>
-              <a:latin typeface="CoFo Sans"/>
+            <a:endParaRPr b="0" lang="ru-RU" sz="3200" spc="-1" strike="noStrike">
+              <a:latin typeface="Arial"/>
             </a:endParaRPr>
           </a:p>
           <a:p>
@@ -8613,19 +8002,13 @@
               <a:buChar char=""/>
             </a:pPr>
             <a:r>
-              <a:rPr b="0" lang="ru-RU" sz="2000" spc="-1" strike="noStrike">
-                <a:solidFill>
-                  <a:srgbClr val="fefffe"/>
-                </a:solidFill>
-                <a:latin typeface="CoFo Sans"/>
+              <a:rPr b="0" lang="ru-RU" sz="2800" spc="-1" strike="noStrike">
+                <a:latin typeface="Arial"/>
               </a:rPr>
               <a:t>Second Outline Level</a:t>
             </a:r>
-            <a:endParaRPr b="0" lang="ru-RU" sz="2000" spc="-1" strike="noStrike">
-              <a:solidFill>
-                <a:srgbClr val="fefffe"/>
-              </a:solidFill>
-              <a:latin typeface="CoFo Sans"/>
+            <a:endParaRPr b="0" lang="ru-RU" sz="2800" spc="-1" strike="noStrike">
+              <a:latin typeface="Arial"/>
             </a:endParaRPr>
           </a:p>
           <a:p>
@@ -8641,19 +8024,13 @@
               <a:buChar char=""/>
             </a:pPr>
             <a:r>
-              <a:rPr b="0" lang="ru-RU" sz="1800" spc="-1" strike="noStrike">
-                <a:solidFill>
-                  <a:srgbClr val="fefffe"/>
-                </a:solidFill>
-                <a:latin typeface="CoFo Sans"/>
+              <a:rPr b="0" lang="ru-RU" sz="2400" spc="-1" strike="noStrike">
+                <a:latin typeface="Arial"/>
               </a:rPr>
               <a:t>Third Outline Level</a:t>
             </a:r>
-            <a:endParaRPr b="0" lang="ru-RU" sz="1800" spc="-1" strike="noStrike">
-              <a:solidFill>
-                <a:srgbClr val="fefffe"/>
-              </a:solidFill>
-              <a:latin typeface="CoFo Sans"/>
+            <a:endParaRPr b="0" lang="ru-RU" sz="2400" spc="-1" strike="noStrike">
+              <a:latin typeface="Arial"/>
             </a:endParaRPr>
           </a:p>
           <a:p>
@@ -8669,19 +8046,13 @@
               <a:buChar char=""/>
             </a:pPr>
             <a:r>
-              <a:rPr b="0" lang="ru-RU" sz="1800" spc="-1" strike="noStrike">
-                <a:solidFill>
-                  <a:srgbClr val="fefffe"/>
-                </a:solidFill>
-                <a:latin typeface="CoFo Sans"/>
+              <a:rPr b="0" lang="ru-RU" sz="2000" spc="-1" strike="noStrike">
+                <a:latin typeface="Arial"/>
               </a:rPr>
               <a:t>Fourth Outline Level</a:t>
             </a:r>
-            <a:endParaRPr b="0" lang="ru-RU" sz="1800" spc="-1" strike="noStrike">
-              <a:solidFill>
-                <a:srgbClr val="fefffe"/>
-              </a:solidFill>
-              <a:latin typeface="CoFo Sans"/>
+            <a:endParaRPr b="0" lang="ru-RU" sz="2000" spc="-1" strike="noStrike">
+              <a:latin typeface="Arial"/>
             </a:endParaRPr>
           </a:p>
           <a:p>
@@ -8698,18 +8069,12 @@
             </a:pPr>
             <a:r>
               <a:rPr b="0" lang="ru-RU" sz="2000" spc="-1" strike="noStrike">
-                <a:solidFill>
-                  <a:srgbClr val="fefffe"/>
-                </a:solidFill>
-                <a:latin typeface="CoFo Sans"/>
+                <a:latin typeface="Arial"/>
               </a:rPr>
               <a:t>Fifth Outline Level</a:t>
             </a:r>
             <a:endParaRPr b="0" lang="ru-RU" sz="2000" spc="-1" strike="noStrike">
-              <a:solidFill>
-                <a:srgbClr val="fefffe"/>
-              </a:solidFill>
-              <a:latin typeface="CoFo Sans"/>
+              <a:latin typeface="Arial"/>
             </a:endParaRPr>
           </a:p>
           <a:p>
@@ -8726,18 +8091,12 @@
             </a:pPr>
             <a:r>
               <a:rPr b="0" lang="ru-RU" sz="2000" spc="-1" strike="noStrike">
-                <a:solidFill>
-                  <a:srgbClr val="fefffe"/>
-                </a:solidFill>
-                <a:latin typeface="CoFo Sans"/>
+                <a:latin typeface="Arial"/>
               </a:rPr>
               <a:t>Sixth Outline Level</a:t>
             </a:r>
             <a:endParaRPr b="0" lang="ru-RU" sz="2000" spc="-1" strike="noStrike">
-              <a:solidFill>
-                <a:srgbClr val="fefffe"/>
-              </a:solidFill>
-              <a:latin typeface="CoFo Sans"/>
+              <a:latin typeface="Arial"/>
             </a:endParaRPr>
           </a:p>
           <a:p>
@@ -8754,18 +8113,12 @@
             </a:pPr>
             <a:r>
               <a:rPr b="0" lang="ru-RU" sz="2000" spc="-1" strike="noStrike">
-                <a:solidFill>
-                  <a:srgbClr val="fefffe"/>
-                </a:solidFill>
-                <a:latin typeface="CoFo Sans"/>
+                <a:latin typeface="Arial"/>
               </a:rPr>
               <a:t>Seventh Outline Level</a:t>
             </a:r>
             <a:endParaRPr b="0" lang="ru-RU" sz="2000" spc="-1" strike="noStrike">
-              <a:solidFill>
-                <a:srgbClr val="fefffe"/>
-              </a:solidFill>
-              <a:latin typeface="CoFo Sans"/>
+              <a:latin typeface="Arial"/>
             </a:endParaRPr>
           </a:p>
         </p:txBody>
@@ -8827,7 +8180,7 @@
         <p:spPr>
           <a:xfrm>
             <a:off x="10409760" y="6229440"/>
-            <a:ext cx="1338120" cy="178920"/>
+            <a:ext cx="1337760" cy="178560"/>
           </a:xfrm>
           <a:prstGeom prst="rect">
             <a:avLst/>
@@ -8850,7 +8203,7 @@
         <p:spPr>
           <a:xfrm>
             <a:off x="442800" y="6222240"/>
-            <a:ext cx="126360" cy="193320"/>
+            <a:ext cx="126000" cy="192960"/>
           </a:xfrm>
           <a:prstGeom prst="rect">
             <a:avLst/>
@@ -8872,8 +8225,8 @@
         </p:nvSpPr>
         <p:spPr>
           <a:xfrm>
-            <a:off x="609480" y="221040"/>
-            <a:ext cx="10972080" cy="1249920"/>
+            <a:off x="609480" y="273240"/>
+            <a:ext cx="10972080" cy="1145160"/>
           </a:xfrm>
           <a:prstGeom prst="rect">
             <a:avLst/>
@@ -8881,23 +8234,17 @@
         </p:spPr>
         <p:txBody>
           <a:bodyPr lIns="0" rIns="0" tIns="0" bIns="0" anchor="ctr">
-            <a:noAutofit/>
+            <a:spAutoFit/>
           </a:bodyPr>
           <a:p>
             <a:r>
-              <a:rPr b="0" lang="ru-RU" sz="4400" spc="-1" strike="noStrike">
-                <a:solidFill>
-                  <a:srgbClr val="fefffe"/>
-                </a:solidFill>
-                <a:latin typeface="CoFo Sans"/>
+              <a:rPr b="0" lang="ru-RU" sz="1800" spc="-1" strike="noStrike">
+                <a:latin typeface="Arial"/>
               </a:rPr>
               <a:t>Click to edit the title text format</a:t>
             </a:r>
-            <a:endParaRPr b="0" lang="ru-RU" sz="4400" spc="-1" strike="noStrike">
-              <a:solidFill>
-                <a:srgbClr val="fefffe"/>
-              </a:solidFill>
-              <a:latin typeface="CoFo Sans"/>
+            <a:endParaRPr b="0" lang="ru-RU" sz="1800" spc="-1" strike="noStrike">
+              <a:latin typeface="Arial"/>
             </a:endParaRPr>
           </a:p>
         </p:txBody>
@@ -8938,19 +8285,13 @@
               <a:buChar char=""/>
             </a:pPr>
             <a:r>
-              <a:rPr b="0" lang="ru-RU" sz="2800" spc="-1" strike="noStrike">
-                <a:solidFill>
-                  <a:srgbClr val="fefffe"/>
-                </a:solidFill>
-                <a:latin typeface="CoFo Sans"/>
+              <a:rPr b="0" lang="ru-RU" sz="1800" spc="-1" strike="noStrike">
+                <a:latin typeface="Arial"/>
               </a:rPr>
               <a:t>Click to edit the outline text format</a:t>
             </a:r>
-            <a:endParaRPr b="0" lang="ru-RU" sz="2800" spc="-1" strike="noStrike">
-              <a:solidFill>
-                <a:srgbClr val="fefffe"/>
-              </a:solidFill>
-              <a:latin typeface="CoFo Sans"/>
+            <a:endParaRPr b="0" lang="ru-RU" sz="1800" spc="-1" strike="noStrike">
+              <a:latin typeface="Arial"/>
             </a:endParaRPr>
           </a:p>
           <a:p>
@@ -8966,19 +8307,13 @@
               <a:buChar char=""/>
             </a:pPr>
             <a:r>
-              <a:rPr b="0" lang="ru-RU" sz="2800" spc="-1" strike="noStrike">
-                <a:solidFill>
-                  <a:srgbClr val="fefffe"/>
-                </a:solidFill>
-                <a:latin typeface="CoFo Sans"/>
+              <a:rPr b="0" lang="ru-RU" sz="1800" spc="-1" strike="noStrike">
+                <a:latin typeface="Arial"/>
               </a:rPr>
               <a:t>Second Outline Level</a:t>
             </a:r>
-            <a:endParaRPr b="0" lang="ru-RU" sz="2800" spc="-1" strike="noStrike">
-              <a:solidFill>
-                <a:srgbClr val="fefffe"/>
-              </a:solidFill>
-              <a:latin typeface="CoFo Sans"/>
+            <a:endParaRPr b="0" lang="ru-RU" sz="1800" spc="-1" strike="noStrike">
+              <a:latin typeface="Arial"/>
             </a:endParaRPr>
           </a:p>
           <a:p>
@@ -8994,19 +8329,13 @@
               <a:buChar char=""/>
             </a:pPr>
             <a:r>
-              <a:rPr b="0" lang="ru-RU" sz="2800" spc="-1" strike="noStrike">
-                <a:solidFill>
-                  <a:srgbClr val="fefffe"/>
-                </a:solidFill>
-                <a:latin typeface="CoFo Sans"/>
+              <a:rPr b="0" lang="ru-RU" sz="1800" spc="-1" strike="noStrike">
+                <a:latin typeface="Arial"/>
               </a:rPr>
               <a:t>Third Outline Level</a:t>
             </a:r>
-            <a:endParaRPr b="0" lang="ru-RU" sz="2800" spc="-1" strike="noStrike">
-              <a:solidFill>
-                <a:srgbClr val="fefffe"/>
-              </a:solidFill>
-              <a:latin typeface="CoFo Sans"/>
+            <a:endParaRPr b="0" lang="ru-RU" sz="1800" spc="-1" strike="noStrike">
+              <a:latin typeface="Arial"/>
             </a:endParaRPr>
           </a:p>
           <a:p>
@@ -9022,19 +8351,13 @@
               <a:buChar char=""/>
             </a:pPr>
             <a:r>
-              <a:rPr b="0" lang="ru-RU" sz="2800" spc="-1" strike="noStrike">
-                <a:solidFill>
-                  <a:srgbClr val="fefffe"/>
-                </a:solidFill>
-                <a:latin typeface="CoFo Sans"/>
+              <a:rPr b="0" lang="ru-RU" sz="1800" spc="-1" strike="noStrike">
+                <a:latin typeface="Arial"/>
               </a:rPr>
               <a:t>Fourth Outline Level</a:t>
             </a:r>
-            <a:endParaRPr b="0" lang="ru-RU" sz="2800" spc="-1" strike="noStrike">
-              <a:solidFill>
-                <a:srgbClr val="fefffe"/>
-              </a:solidFill>
-              <a:latin typeface="CoFo Sans"/>
+            <a:endParaRPr b="0" lang="ru-RU" sz="1800" spc="-1" strike="noStrike">
+              <a:latin typeface="Arial"/>
             </a:endParaRPr>
           </a:p>
           <a:p>
@@ -9050,19 +8373,13 @@
               <a:buChar char=""/>
             </a:pPr>
             <a:r>
-              <a:rPr b="0" lang="ru-RU" sz="2800" spc="-1" strike="noStrike">
-                <a:solidFill>
-                  <a:srgbClr val="fefffe"/>
-                </a:solidFill>
-                <a:latin typeface="CoFo Sans"/>
+              <a:rPr b="0" lang="ru-RU" sz="1800" spc="-1" strike="noStrike">
+                <a:latin typeface="Arial"/>
               </a:rPr>
               <a:t>Fifth Outline Level</a:t>
             </a:r>
-            <a:endParaRPr b="0" lang="ru-RU" sz="2800" spc="-1" strike="noStrike">
-              <a:solidFill>
-                <a:srgbClr val="fefffe"/>
-              </a:solidFill>
-              <a:latin typeface="CoFo Sans"/>
+            <a:endParaRPr b="0" lang="ru-RU" sz="1800" spc="-1" strike="noStrike">
+              <a:latin typeface="Arial"/>
             </a:endParaRPr>
           </a:p>
           <a:p>
@@ -9078,19 +8395,13 @@
               <a:buChar char=""/>
             </a:pPr>
             <a:r>
-              <a:rPr b="0" lang="ru-RU" sz="2800" spc="-1" strike="noStrike">
-                <a:solidFill>
-                  <a:srgbClr val="fefffe"/>
-                </a:solidFill>
-                <a:latin typeface="CoFo Sans"/>
+              <a:rPr b="0" lang="ru-RU" sz="1800" spc="-1" strike="noStrike">
+                <a:latin typeface="Arial"/>
               </a:rPr>
               <a:t>Sixth Outline Level</a:t>
             </a:r>
-            <a:endParaRPr b="0" lang="ru-RU" sz="2800" spc="-1" strike="noStrike">
-              <a:solidFill>
-                <a:srgbClr val="fefffe"/>
-              </a:solidFill>
-              <a:latin typeface="CoFo Sans"/>
+            <a:endParaRPr b="0" lang="ru-RU" sz="1800" spc="-1" strike="noStrike">
+              <a:latin typeface="Arial"/>
             </a:endParaRPr>
           </a:p>
           <a:p>
@@ -9106,19 +8417,13 @@
               <a:buChar char=""/>
             </a:pPr>
             <a:r>
-              <a:rPr b="0" lang="ru-RU" sz="2800" spc="-1" strike="noStrike">
-                <a:solidFill>
-                  <a:srgbClr val="fefffe"/>
-                </a:solidFill>
-                <a:latin typeface="CoFo Sans"/>
+              <a:rPr b="0" lang="ru-RU" sz="1800" spc="-1" strike="noStrike">
+                <a:latin typeface="Arial"/>
               </a:rPr>
               <a:t>Seventh Outline Level</a:t>
             </a:r>
-            <a:endParaRPr b="0" lang="ru-RU" sz="2800" spc="-1" strike="noStrike">
-              <a:solidFill>
-                <a:srgbClr val="fefffe"/>
-              </a:solidFill>
-              <a:latin typeface="CoFo Sans"/>
+            <a:endParaRPr b="0" lang="ru-RU" sz="1800" spc="-1" strike="noStrike">
+              <a:latin typeface="Arial"/>
             </a:endParaRPr>
           </a:p>
         </p:txBody>
@@ -9162,14 +8467,14 @@
       </p:grpSpPr>
       <p:sp>
         <p:nvSpPr>
-          <p:cNvPr id="204" name="TextShape 1"/>
-          <p:cNvSpPr txBox="1"/>
+          <p:cNvPr id="204" name="CustomShape 1"/>
+          <p:cNvSpPr/>
           <p:nvPr/>
         </p:nvSpPr>
         <p:spPr>
           <a:xfrm>
             <a:off x="616680" y="1920600"/>
-            <a:ext cx="6251760" cy="812520"/>
+            <a:ext cx="6251400" cy="812160"/>
           </a:xfrm>
           <a:prstGeom prst="rect">
             <a:avLst/>
@@ -9179,6 +8484,12 @@
             <a:noFill/>
           </a:ln>
         </p:spPr>
+        <p:style>
+          <a:lnRef idx="0"/>
+          <a:fillRef idx="0"/>
+          <a:effectRef idx="0"/>
+          <a:fontRef idx="minor"/>
+        </p:style>
         <p:txBody>
           <a:bodyPr lIns="0" rIns="0" tIns="0" bIns="0">
             <a:noAutofit/>
@@ -9201,10 +8512,7 @@
             </a:r>
             <a:br/>
             <a:endParaRPr b="0" lang="ru-RU" sz="2400" spc="-1" strike="noStrike">
-              <a:solidFill>
-                <a:srgbClr val="fefffe"/>
-              </a:solidFill>
-              <a:latin typeface="CoFo Sans"/>
+              <a:latin typeface="Arial"/>
             </a:endParaRPr>
           </a:p>
         </p:txBody>
@@ -9218,7 +8526,7 @@
         <p:spPr>
           <a:xfrm>
             <a:off x="616680" y="6179040"/>
-            <a:ext cx="3407040" cy="317160"/>
+            <a:ext cx="3406680" cy="316800"/>
           </a:xfrm>
           <a:prstGeom prst="rect">
             <a:avLst/>
@@ -9287,14 +8595,14 @@
       </p:grpSpPr>
       <p:sp>
         <p:nvSpPr>
-          <p:cNvPr id="246" name="TextShape 1"/>
-          <p:cNvSpPr txBox="1"/>
+          <p:cNvPr id="246" name="CustomShape 1"/>
+          <p:cNvSpPr/>
           <p:nvPr/>
         </p:nvSpPr>
         <p:spPr>
           <a:xfrm>
             <a:off x="660600" y="315720"/>
-            <a:ext cx="11301480" cy="646560"/>
+            <a:ext cx="11301120" cy="646200"/>
           </a:xfrm>
           <a:prstGeom prst="rect">
             <a:avLst/>
@@ -9304,6 +8612,12 @@
             <a:noFill/>
           </a:ln>
         </p:spPr>
+        <p:style>
+          <a:lnRef idx="0"/>
+          <a:fillRef idx="0"/>
+          <a:effectRef idx="0"/>
+          <a:fontRef idx="minor"/>
+        </p:style>
         <p:txBody>
           <a:bodyPr lIns="0" rIns="0" tIns="0" bIns="0">
             <a:normAutofit/>
@@ -9322,20 +8636,17 @@
                 <a:latin typeface="CoFo Sans"/>
                 <a:ea typeface="CoFo Sans"/>
               </a:rPr>
-              <a:t>Сравнение двух моделей по ROC</a:t>
+              <a:t>Сравнение двух моделей</a:t>
             </a:r>
             <a:endParaRPr b="0" lang="ru-RU" sz="2400" spc="-1" strike="noStrike">
-              <a:solidFill>
-                <a:srgbClr val="fefffe"/>
-              </a:solidFill>
-              <a:latin typeface="CoFo Sans"/>
+              <a:latin typeface="Arial"/>
             </a:endParaRPr>
           </a:p>
         </p:txBody>
       </p:sp>
       <p:pic>
         <p:nvPicPr>
-          <p:cNvPr id="247" name="Рисунок 2" descr=""/>
+          <p:cNvPr id="247" name="" descr=""/>
           <p:cNvPicPr/>
           <p:nvPr/>
         </p:nvPicPr>
@@ -9345,8 +8656,8 @@
         </p:blipFill>
         <p:spPr>
           <a:xfrm>
-            <a:off x="2333520" y="842760"/>
-            <a:ext cx="7524360" cy="5619240"/>
+            <a:off x="1605960" y="842040"/>
+            <a:ext cx="8607600" cy="5493960"/>
           </a:xfrm>
           <a:prstGeom prst="rect">
             <a:avLst/>
@@ -9359,7 +8670,7 @@
     </p:spTree>
   </p:cSld>
   <p:transition spd="med">
-    <p:pull dir="r"/>
+    <p:pull dir="l"/>
   </p:transition>
 </p:sld>
 </file>
@@ -9383,14 +8694,14 @@
       </p:grpSpPr>
       <p:sp>
         <p:nvSpPr>
-          <p:cNvPr id="248" name="TextShape 1"/>
-          <p:cNvSpPr txBox="1"/>
+          <p:cNvPr id="248" name="CustomShape 1"/>
+          <p:cNvSpPr/>
           <p:nvPr/>
         </p:nvSpPr>
         <p:spPr>
           <a:xfrm>
-            <a:off x="488520" y="542880"/>
-            <a:ext cx="11301480" cy="646560"/>
+            <a:off x="660600" y="315720"/>
+            <a:ext cx="11301120" cy="646200"/>
           </a:xfrm>
           <a:prstGeom prst="rect">
             <a:avLst/>
@@ -9400,6 +8711,12 @@
             <a:noFill/>
           </a:ln>
         </p:spPr>
+        <p:style>
+          <a:lnRef idx="0"/>
+          <a:fillRef idx="0"/>
+          <a:effectRef idx="0"/>
+          <a:fontRef idx="minor"/>
+        </p:style>
         <p:txBody>
           <a:bodyPr lIns="0" rIns="0" tIns="0" bIns="0">
             <a:normAutofit/>
@@ -9418,20 +8735,17 @@
                 <a:latin typeface="CoFo Sans"/>
                 <a:ea typeface="CoFo Sans"/>
               </a:rPr>
-              <a:t>Облако слов</a:t>
+              <a:t>Сравнение двух моделей по ROC</a:t>
             </a:r>
             <a:endParaRPr b="0" lang="ru-RU" sz="2400" spc="-1" strike="noStrike">
-              <a:solidFill>
-                <a:srgbClr val="fefffe"/>
-              </a:solidFill>
-              <a:latin typeface="CoFo Sans"/>
+              <a:latin typeface="Arial"/>
             </a:endParaRPr>
           </a:p>
         </p:txBody>
       </p:sp>
       <p:pic>
         <p:nvPicPr>
-          <p:cNvPr id="249" name="Рисунок 1" descr=""/>
+          <p:cNvPr id="249" name="Рисунок 2" descr=""/>
           <p:cNvPicPr/>
           <p:nvPr/>
         </p:nvPicPr>
@@ -9441,8 +8755,8 @@
         </p:blipFill>
         <p:spPr>
           <a:xfrm>
-            <a:off x="1161360" y="936360"/>
-            <a:ext cx="9939960" cy="5259240"/>
+            <a:off x="2333520" y="842760"/>
+            <a:ext cx="7524000" cy="5618880"/>
           </a:xfrm>
           <a:prstGeom prst="rect">
             <a:avLst/>
@@ -9454,8 +8768,8 @@
       </p:pic>
     </p:spTree>
   </p:cSld>
-  <p:transition spd="slow">
-    <p:push dir="u"/>
+  <p:transition spd="med">
+    <p:pull dir="l"/>
   </p:transition>
 </p:sld>
 </file>
@@ -9485,14 +8799,14 @@
         </p:nvSpPr>
         <p:spPr>
           <a:xfrm>
-            <a:off x="1656000" y="3600000"/>
-            <a:ext cx="9214920" cy="366120"/>
+            <a:off x="488520" y="542880"/>
+            <a:ext cx="11301120" cy="646200"/>
           </a:xfrm>
           <a:prstGeom prst="rect">
             <a:avLst/>
           </a:prstGeom>
           <a:noFill/>
-          <a:ln>
+          <a:ln w="12600">
             <a:noFill/>
           </a:ln>
         </p:spPr>
@@ -9502,23 +8816,122 @@
           <a:effectRef idx="0"/>
           <a:fontRef idx="minor"/>
         </p:style>
-      </p:sp>
-      <p:sp>
-        <p:nvSpPr>
-          <p:cNvPr id="251" name="CustomShape 2"/>
+        <p:txBody>
+          <a:bodyPr lIns="0" rIns="0" tIns="0" bIns="0">
+            <a:normAutofit/>
+          </a:bodyPr>
+          <a:p>
+            <a:pPr>
+              <a:lnSpc>
+                <a:spcPct val="90000"/>
+              </a:lnSpc>
+            </a:pPr>
+            <a:r>
+              <a:rPr b="1" lang="ru-RU" sz="2400" spc="-1" strike="noStrike">
+                <a:solidFill>
+                  <a:srgbClr val="000000"/>
+                </a:solidFill>
+                <a:latin typeface="CoFo Sans"/>
+                <a:ea typeface="CoFo Sans"/>
+              </a:rPr>
+              <a:t>Облако слов</a:t>
+            </a:r>
+            <a:endParaRPr b="0" lang="ru-RU" sz="2400" spc="-1" strike="noStrike">
+              <a:latin typeface="Arial"/>
+            </a:endParaRPr>
+          </a:p>
+        </p:txBody>
+      </p:sp>
+      <p:pic>
+        <p:nvPicPr>
+          <p:cNvPr id="251" name="Рисунок 1" descr=""/>
+          <p:cNvPicPr/>
+          <p:nvPr/>
+        </p:nvPicPr>
+        <p:blipFill>
+          <a:blip r:embed="rId1"/>
+          <a:stretch/>
+        </p:blipFill>
+        <p:spPr>
+          <a:xfrm>
+            <a:off x="1161360" y="936360"/>
+            <a:ext cx="9939600" cy="5258880"/>
+          </a:xfrm>
+          <a:prstGeom prst="rect">
+            <a:avLst/>
+          </a:prstGeom>
+          <a:ln>
+            <a:noFill/>
+          </a:ln>
+        </p:spPr>
+      </p:pic>
+    </p:spTree>
+  </p:cSld>
+  <p:transition spd="slow">
+    <p:push dir="u"/>
+  </p:transition>
+</p:sld>
+</file>
+
+<file path=ppt/slides/slide13.xml><?xml version="1.0" encoding="utf-8"?>
+<p:sld xmlns:a="http://schemas.openxmlformats.org/drawingml/2006/main" xmlns:p="http://schemas.openxmlformats.org/presentationml/2006/main" xmlns:r="http://schemas.openxmlformats.org/officeDocument/2006/relationships" xmlns:p14="http://schemas.microsoft.com/office/powerpoint/2010/main" xmlns:p15="http://schemas.microsoft.com/office/powerpoint/2012/main" xmlns:mc="http://schemas.openxmlformats.org/markup-compatibility/2006">
+  <p:cSld>
+    <p:spTree>
+      <p:nvGrpSpPr>
+        <p:cNvPr id="1" name=""/>
+        <p:cNvGrpSpPr/>
+        <p:nvPr/>
+      </p:nvGrpSpPr>
+      <p:grpSpPr>
+        <a:xfrm>
+          <a:off x="0" y="0"/>
+          <a:ext cx="0" cy="0"/>
+          <a:chOff x="0" y="0"/>
+          <a:chExt cx="0" cy="0"/>
+        </a:xfrm>
+      </p:grpSpPr>
+      <p:sp>
+        <p:nvSpPr>
+          <p:cNvPr id="252" name="CustomShape 1"/>
           <p:cNvSpPr/>
           <p:nvPr/>
         </p:nvSpPr>
         <p:spPr>
           <a:xfrm>
+            <a:off x="1656000" y="3600000"/>
+            <a:ext cx="9214560" cy="365760"/>
+          </a:xfrm>
+          <a:prstGeom prst="rect">
+            <a:avLst/>
+          </a:prstGeom>
+          <a:noFill/>
+          <a:ln>
+            <a:noFill/>
+          </a:ln>
+        </p:spPr>
+        <p:style>
+          <a:lnRef idx="0"/>
+          <a:fillRef idx="0"/>
+          <a:effectRef idx="0"/>
+          <a:fontRef idx="minor"/>
+        </p:style>
+      </p:sp>
+      <p:sp>
+        <p:nvSpPr>
+          <p:cNvPr id="253" name="CustomShape 2"/>
+          <p:cNvSpPr/>
+          <p:nvPr/>
+        </p:nvSpPr>
+        <p:spPr>
+          <a:xfrm>
             <a:off x="2160000" y="2160000"/>
-            <a:ext cx="7848000" cy="3672000"/>
+            <a:ext cx="7847640" cy="3671640"/>
           </a:xfrm>
           <a:custGeom>
             <a:avLst/>
             <a:gdLst/>
             <a:ahLst/>
-            <a:rect l="0" t="0" r="r" b="b"/>
+            <a:rect l="l" t="t" r="r" b="b"/>
             <a:pathLst>
               <a:path w="21801" h="10202">
                 <a:moveTo>
@@ -9579,13 +8992,18 @@
             <a:noAutofit/>
           </a:bodyPr>
           <a:p>
-            <a:pPr algn="ctr"/>
+            <a:pPr algn="ctr">
+              <a:lnSpc>
+                <a:spcPct val="100000"/>
+              </a:lnSpc>
+            </a:pPr>
             <a:r>
               <a:rPr b="1" lang="ru-RU" sz="2600" spc="-1" strike="noStrike">
                 <a:solidFill>
                   <a:srgbClr val="ffffff"/>
                 </a:solidFill>
                 <a:latin typeface="Arial"/>
+                <a:ea typeface="DejaVu Sans"/>
               </a:rPr>
               <a:t>Вывод: Модель LightGBM оказалась лучше</a:t>
             </a:r>
@@ -9634,7 +9052,7 @@
         <p:spPr>
           <a:xfrm>
             <a:off x="3898800" y="360000"/>
-            <a:ext cx="4200480" cy="1119960"/>
+            <a:ext cx="4200120" cy="1119960"/>
           </a:xfrm>
           <a:prstGeom prst="flowChartTerminator">
             <a:avLst/>
@@ -9690,7 +9108,7 @@
         <p:spPr>
           <a:xfrm>
             <a:off x="658800" y="2520000"/>
-            <a:ext cx="4200480" cy="517320"/>
+            <a:ext cx="4200120" cy="517320"/>
           </a:xfrm>
           <a:prstGeom prst="flowChartTerminator">
             <a:avLst/>
@@ -9746,7 +9164,7 @@
         <p:spPr>
           <a:xfrm>
             <a:off x="7365240" y="1715760"/>
-            <a:ext cx="4200480" cy="517320"/>
+            <a:ext cx="4200120" cy="517320"/>
           </a:xfrm>
           <a:prstGeom prst="flowChartTerminator">
             <a:avLst/>
@@ -9802,7 +9220,7 @@
         <p:spPr>
           <a:xfrm>
             <a:off x="3997080" y="4843800"/>
-            <a:ext cx="4200480" cy="517320"/>
+            <a:ext cx="4200120" cy="517320"/>
           </a:xfrm>
           <a:prstGeom prst="flowChartTerminator">
             <a:avLst/>
@@ -9883,7 +9301,7 @@
         <p:spPr>
           <a:xfrm>
             <a:off x="0" y="902520"/>
-            <a:ext cx="12072600" cy="5058360"/>
+            <a:ext cx="12072240" cy="5058000"/>
           </a:xfrm>
           <a:prstGeom prst="rect">
             <a:avLst/>
@@ -9914,7 +9332,7 @@
         <p:spPr>
           <a:xfrm>
             <a:off x="480240" y="2174040"/>
-            <a:ext cx="6624720" cy="2026440"/>
+            <a:ext cx="6624360" cy="2026440"/>
           </a:xfrm>
           <a:prstGeom prst="roundRect">
             <a:avLst>
@@ -9942,7 +9360,7 @@
             <a:spAutoFit/>
           </a:bodyPr>
           <a:p>
-            <a:pPr marL="514440" indent="-514080" algn="just">
+            <a:pPr marL="514440" indent="-513720" algn="just">
               <a:lnSpc>
                 <a:spcPct val="100000"/>
               </a:lnSpc>
@@ -9977,7 +9395,7 @@
             </a:endParaRPr>
           </a:p>
           <a:p>
-            <a:pPr marL="514440" indent="-514080" algn="just">
+            <a:pPr marL="514440" indent="-513720" algn="just">
               <a:lnSpc>
                 <a:spcPct val="100000"/>
               </a:lnSpc>
@@ -10012,7 +9430,7 @@
             </a:endParaRPr>
           </a:p>
           <a:p>
-            <a:pPr marL="514440" indent="-514080" algn="just">
+            <a:pPr marL="514440" indent="-513720" algn="just">
               <a:lnSpc>
                 <a:spcPct val="100000"/>
               </a:lnSpc>
@@ -10047,7 +9465,7 @@
         <p:spPr>
           <a:xfrm>
             <a:off x="480240" y="498240"/>
-            <a:ext cx="4200480" cy="517320"/>
+            <a:ext cx="4200120" cy="517320"/>
           </a:xfrm>
           <a:prstGeom prst="flowChartTerminator">
             <a:avLst/>
@@ -10097,7 +9515,7 @@
     </p:spTree>
   </p:cSld>
   <p:transition spd="med">
-    <p:pull dir="r"/>
+    <p:pull dir="l"/>
   </p:transition>
 </p:sld>
 </file>
@@ -10127,8 +9545,8 @@
         </p:nvSpPr>
         <p:spPr>
           <a:xfrm>
-            <a:off x="2031840" y="3006720"/>
-            <a:ext cx="8127000" cy="1755720"/>
+            <a:off x="2031840" y="3073680"/>
+            <a:ext cx="8126640" cy="1621080"/>
           </a:xfrm>
           <a:prstGeom prst="roundRect">
             <a:avLst>
@@ -10164,7 +9582,7 @@
             <a:r>
               <a:rPr b="1" lang="ru-RU" sz="2400" spc="-1" strike="noStrike">
                 <a:solidFill>
-                  <a:srgbClr val="fefffe"/>
+                  <a:srgbClr val="000000"/>
                 </a:solidFill>
                 <a:latin typeface="CoFo Sans"/>
                 <a:ea typeface="CoFo Sans"/>
@@ -10196,7 +9614,7 @@
         <p:spPr>
           <a:xfrm>
             <a:off x="537120" y="1688040"/>
-            <a:ext cx="6095880" cy="638280"/>
+            <a:ext cx="6095520" cy="638280"/>
           </a:xfrm>
           <a:prstGeom prst="rect">
             <a:avLst/>
@@ -10257,7 +9675,7 @@
         <p:spPr>
           <a:xfrm>
             <a:off x="537120" y="568800"/>
-            <a:ext cx="6095880" cy="455400"/>
+            <a:ext cx="6095520" cy="455400"/>
           </a:xfrm>
           <a:prstGeom prst="rect">
             <a:avLst/>
@@ -10326,14 +9744,14 @@
       </p:grpSpPr>
       <p:sp>
         <p:nvSpPr>
-          <p:cNvPr id="216" name="TextShape 1"/>
-          <p:cNvSpPr txBox="1"/>
+          <p:cNvPr id="216" name="CustomShape 1"/>
+          <p:cNvSpPr/>
           <p:nvPr/>
         </p:nvSpPr>
         <p:spPr>
           <a:xfrm>
             <a:off x="442800" y="441360"/>
-            <a:ext cx="11301480" cy="646560"/>
+            <a:ext cx="11301120" cy="646200"/>
           </a:xfrm>
           <a:prstGeom prst="rect">
             <a:avLst/>
@@ -10343,6 +9761,12 @@
             <a:noFill/>
           </a:ln>
         </p:spPr>
+        <p:style>
+          <a:lnRef idx="0"/>
+          <a:fillRef idx="0"/>
+          <a:effectRef idx="0"/>
+          <a:fontRef idx="minor"/>
+        </p:style>
         <p:txBody>
           <a:bodyPr lIns="0" rIns="0" tIns="0" bIns="0">
             <a:normAutofit/>
@@ -10364,10 +9788,7 @@
               <a:t>Выполнение работы:</a:t>
             </a:r>
             <a:endParaRPr b="0" lang="ru-RU" sz="2400" spc="-1" strike="noStrike">
-              <a:solidFill>
-                <a:srgbClr val="fefffe"/>
-              </a:solidFill>
-              <a:latin typeface="CoFo Sans"/>
+              <a:latin typeface="Arial"/>
             </a:endParaRPr>
           </a:p>
         </p:txBody>
@@ -10381,7 +9802,7 @@
         <p:spPr>
           <a:xfrm>
             <a:off x="9407160" y="4563000"/>
-            <a:ext cx="2479320" cy="507240"/>
+            <a:ext cx="2478960" cy="506880"/>
           </a:xfrm>
           <a:prstGeom prst="roundRect">
             <a:avLst>
@@ -10415,7 +9836,7 @@
         <p:spPr>
           <a:xfrm>
             <a:off x="9627120" y="4674240"/>
-            <a:ext cx="428400" cy="304560"/>
+            <a:ext cx="428040" cy="304560"/>
           </a:xfrm>
           <a:prstGeom prst="rect">
             <a:avLst/>
@@ -10465,8 +9886,8 @@
         </p:nvSpPr>
         <p:spPr>
           <a:xfrm>
-            <a:off x="9842040" y="4701960"/>
-            <a:ext cx="1701720" cy="273960"/>
+            <a:off x="9842040" y="4701600"/>
+            <a:ext cx="1701360" cy="273960"/>
           </a:xfrm>
           <a:prstGeom prst="rect">
             <a:avLst/>
@@ -10517,7 +9938,7 @@
         <p:spPr>
           <a:xfrm>
             <a:off x="442800" y="1409760"/>
-            <a:ext cx="2809080" cy="1630080"/>
+            <a:ext cx="2808720" cy="1629720"/>
           </a:xfrm>
           <a:prstGeom prst="roundRect">
             <a:avLst>
@@ -10585,7 +10006,7 @@
         <p:spPr>
           <a:xfrm>
             <a:off x="594000" y="2621520"/>
-            <a:ext cx="428400" cy="304560"/>
+            <a:ext cx="428040" cy="304560"/>
           </a:xfrm>
           <a:prstGeom prst="rect">
             <a:avLst/>
@@ -10636,7 +10057,7 @@
         <p:spPr>
           <a:xfrm>
             <a:off x="3376080" y="1405800"/>
-            <a:ext cx="2809080" cy="1630080"/>
+            <a:ext cx="2808720" cy="1629720"/>
           </a:xfrm>
           <a:prstGeom prst="roundRect">
             <a:avLst>
@@ -10704,7 +10125,7 @@
         <p:spPr>
           <a:xfrm>
             <a:off x="3527280" y="2627640"/>
-            <a:ext cx="428400" cy="304560"/>
+            <a:ext cx="428040" cy="304560"/>
           </a:xfrm>
           <a:prstGeom prst="rect">
             <a:avLst/>
@@ -10755,7 +10176,7 @@
         <p:spPr>
           <a:xfrm>
             <a:off x="6309000" y="1405800"/>
-            <a:ext cx="2809080" cy="1630080"/>
+            <a:ext cx="2808720" cy="1629720"/>
           </a:xfrm>
           <a:prstGeom prst="roundRect">
             <a:avLst>
@@ -10823,7 +10244,7 @@
         <p:spPr>
           <a:xfrm>
             <a:off x="6460200" y="2608560"/>
-            <a:ext cx="428400" cy="304560"/>
+            <a:ext cx="428040" cy="304560"/>
           </a:xfrm>
           <a:prstGeom prst="rect">
             <a:avLst/>
@@ -10874,7 +10295,7 @@
         <p:spPr>
           <a:xfrm>
             <a:off x="9242280" y="1405800"/>
-            <a:ext cx="2809080" cy="1630080"/>
+            <a:ext cx="2808720" cy="1629720"/>
           </a:xfrm>
           <a:prstGeom prst="roundRect">
             <a:avLst>
@@ -10942,7 +10363,7 @@
         <p:spPr>
           <a:xfrm>
             <a:off x="9371160" y="2570040"/>
-            <a:ext cx="428400" cy="304560"/>
+            <a:ext cx="428040" cy="304560"/>
           </a:xfrm>
           <a:prstGeom prst="rect">
             <a:avLst/>
@@ -10993,7 +10414,7 @@
         <p:spPr>
           <a:xfrm flipV="1">
             <a:off x="3252240" y="2220120"/>
-            <a:ext cx="123840" cy="3960"/>
+            <a:ext cx="123480" cy="3600"/>
           </a:xfrm>
           <a:custGeom>
             <a:avLst/>
@@ -11036,7 +10457,7 @@
         <p:spPr>
           <a:xfrm>
             <a:off x="6185520" y="2220840"/>
-            <a:ext cx="123480" cy="360"/>
+            <a:ext cx="123120" cy="360"/>
           </a:xfrm>
           <a:custGeom>
             <a:avLst/>
@@ -11079,7 +10500,7 @@
         <p:spPr>
           <a:xfrm>
             <a:off x="9118440" y="2220840"/>
-            <a:ext cx="123840" cy="360"/>
+            <a:ext cx="123480" cy="360"/>
           </a:xfrm>
           <a:custGeom>
             <a:avLst/>
@@ -11121,8 +10542,8 @@
         </p:nvSpPr>
         <p:spPr>
           <a:xfrm rot="5400000">
-            <a:off x="5734440" y="-932760"/>
-            <a:ext cx="943920" cy="8881920"/>
+            <a:off x="5734800" y="-932760"/>
+            <a:ext cx="943560" cy="8881560"/>
           </a:xfrm>
           <a:prstGeom prst="bentConnector3">
             <a:avLst>
@@ -11154,7 +10575,7 @@
         <p:spPr>
           <a:xfrm>
             <a:off x="360360" y="3980160"/>
-            <a:ext cx="2809080" cy="1630080"/>
+            <a:ext cx="2808720" cy="1629720"/>
           </a:xfrm>
           <a:prstGeom prst="roundRect">
             <a:avLst>
@@ -11222,7 +10643,7 @@
         <p:spPr>
           <a:xfrm>
             <a:off x="594000" y="5184360"/>
-            <a:ext cx="428400" cy="304560"/>
+            <a:ext cx="428040" cy="304560"/>
           </a:xfrm>
           <a:prstGeom prst="rect">
             <a:avLst/>
@@ -11273,7 +10694,7 @@
         <p:spPr>
           <a:xfrm>
             <a:off x="3376080" y="3980160"/>
-            <a:ext cx="2809080" cy="1630080"/>
+            <a:ext cx="2808720" cy="1629720"/>
           </a:xfrm>
           <a:prstGeom prst="roundRect">
             <a:avLst>
@@ -11331,7 +10752,7 @@
         <p:spPr>
           <a:xfrm>
             <a:off x="3538080" y="5211720"/>
-            <a:ext cx="428400" cy="304560"/>
+            <a:ext cx="428040" cy="304560"/>
           </a:xfrm>
           <a:prstGeom prst="rect">
             <a:avLst/>
@@ -11382,7 +10803,7 @@
         <p:spPr>
           <a:xfrm>
             <a:off x="3169800" y="4795200"/>
-            <a:ext cx="206280" cy="360"/>
+            <a:ext cx="205920" cy="360"/>
           </a:xfrm>
           <a:custGeom>
             <a:avLst/>
@@ -11425,7 +10846,7 @@
         <p:spPr>
           <a:xfrm>
             <a:off x="6185520" y="4795200"/>
-            <a:ext cx="3221640" cy="21600"/>
+            <a:ext cx="3221280" cy="21240"/>
           </a:xfrm>
           <a:custGeom>
             <a:avLst/>
@@ -11462,7 +10883,7 @@
     </p:spTree>
   </p:cSld>
   <p:transition spd="slow">
-    <p:cover dir="r"/>
+    <p:cover dir="l"/>
   </p:transition>
 </p:sld>
 </file>
@@ -11493,7 +10914,7 @@
         <p:spPr>
           <a:xfrm>
             <a:off x="3898800" y="376560"/>
-            <a:ext cx="4200480" cy="560160"/>
+            <a:ext cx="4200120" cy="559800"/>
           </a:xfrm>
           <a:prstGeom prst="flowChartTerminator">
             <a:avLst/>
@@ -11553,7 +10974,7 @@
         <p:spPr>
           <a:xfrm>
             <a:off x="1752840" y="1311120"/>
-            <a:ext cx="8502840" cy="4885200"/>
+            <a:ext cx="8502480" cy="4884840"/>
           </a:xfrm>
           <a:prstGeom prst="rect">
             <a:avLst/>
@@ -11566,7 +10987,7 @@
     </p:spTree>
   </p:cSld>
   <p:transition spd="slow">
-    <p:cover dir="r"/>
+    <p:cover dir="l"/>
   </p:transition>
 </p:sld>
 </file>
@@ -11590,14 +11011,14 @@
       </p:grpSpPr>
       <p:sp>
         <p:nvSpPr>
-          <p:cNvPr id="240" name="TextShape 1"/>
-          <p:cNvSpPr txBox="1"/>
+          <p:cNvPr id="240" name="CustomShape 1"/>
+          <p:cNvSpPr/>
           <p:nvPr/>
         </p:nvSpPr>
         <p:spPr>
           <a:xfrm>
             <a:off x="685080" y="215640"/>
-            <a:ext cx="4108320" cy="423000"/>
+            <a:ext cx="4107960" cy="422640"/>
           </a:xfrm>
           <a:prstGeom prst="rect">
             <a:avLst/>
@@ -11607,6 +11028,12 @@
             <a:noFill/>
           </a:ln>
         </p:spPr>
+        <p:style>
+          <a:lnRef idx="0"/>
+          <a:fillRef idx="0"/>
+          <a:effectRef idx="0"/>
+          <a:fontRef idx="minor"/>
+        </p:style>
         <p:txBody>
           <a:bodyPr lIns="0" rIns="0" tIns="0" bIns="0">
             <a:normAutofit fontScale="39000"/>
@@ -11628,10 +11055,7 @@
               <a:t>Модель №1 LogisticRegression</a:t>
             </a:r>
             <a:endParaRPr b="0" lang="ru-RU" sz="2400" spc="-1" strike="noStrike">
-              <a:solidFill>
-                <a:srgbClr val="fefffe"/>
-              </a:solidFill>
-              <a:latin typeface="CoFo Sans"/>
+              <a:latin typeface="Arial"/>
             </a:endParaRPr>
           </a:p>
         </p:txBody>
@@ -11649,7 +11073,7 @@
         <p:spPr>
           <a:xfrm>
             <a:off x="1305000" y="643320"/>
-            <a:ext cx="9091800" cy="6005880"/>
+            <a:ext cx="9091440" cy="6005520"/>
           </a:xfrm>
           <a:prstGeom prst="rect">
             <a:avLst/>
@@ -11662,7 +11086,7 @@
     </p:spTree>
   </p:cSld>
   <p:transition spd="slow">
-    <p:cover dir="r"/>
+    <p:cover dir="l"/>
   </p:transition>
 </p:sld>
 </file>
@@ -11686,14 +11110,14 @@
       </p:grpSpPr>
       <p:sp>
         <p:nvSpPr>
-          <p:cNvPr id="242" name="TextShape 1"/>
-          <p:cNvSpPr txBox="1"/>
+          <p:cNvPr id="242" name="CustomShape 1"/>
+          <p:cNvSpPr/>
           <p:nvPr/>
         </p:nvSpPr>
         <p:spPr>
           <a:xfrm>
             <a:off x="538200" y="90720"/>
-            <a:ext cx="3189600" cy="575640"/>
+            <a:ext cx="3189240" cy="575280"/>
           </a:xfrm>
           <a:prstGeom prst="rect">
             <a:avLst/>
@@ -11703,6 +11127,12 @@
             <a:noFill/>
           </a:ln>
         </p:spPr>
+        <p:style>
+          <a:lnRef idx="0"/>
+          <a:fillRef idx="0"/>
+          <a:effectRef idx="0"/>
+          <a:fontRef idx="minor"/>
+        </p:style>
         <p:txBody>
           <a:bodyPr lIns="0" rIns="0" tIns="0" bIns="0" anchor="ctr">
             <a:noAutofit/>
@@ -11724,10 +11154,7 @@
               <a:t>Модель №2 LightGBM</a:t>
             </a:r>
             <a:endParaRPr b="0" lang="ru-RU" sz="2400" spc="-1" strike="noStrike">
-              <a:solidFill>
-                <a:srgbClr val="fefffe"/>
-              </a:solidFill>
-              <a:latin typeface="CoFo Sans"/>
+              <a:latin typeface="Arial"/>
             </a:endParaRPr>
           </a:p>
         </p:txBody>
@@ -11745,7 +11172,7 @@
         <p:spPr>
           <a:xfrm>
             <a:off x="1758240" y="670680"/>
-            <a:ext cx="8665200" cy="5750280"/>
+            <a:ext cx="8664840" cy="5749920"/>
           </a:xfrm>
           <a:prstGeom prst="rect">
             <a:avLst/>
@@ -11758,7 +11185,7 @@
     </p:spTree>
   </p:cSld>
   <p:transition spd="slow">
-    <p:cover dir="r"/>
+    <p:cover dir="l"/>
   </p:transition>
 </p:sld>
 </file>
@@ -11782,14 +11209,14 @@
       </p:grpSpPr>
       <p:sp>
         <p:nvSpPr>
-          <p:cNvPr id="244" name="TextShape 1"/>
-          <p:cNvSpPr txBox="1"/>
+          <p:cNvPr id="244" name="CustomShape 1"/>
+          <p:cNvSpPr/>
           <p:nvPr/>
         </p:nvSpPr>
         <p:spPr>
           <a:xfrm>
             <a:off x="660600" y="315720"/>
-            <a:ext cx="11301480" cy="646560"/>
+            <a:ext cx="11301120" cy="646200"/>
           </a:xfrm>
           <a:prstGeom prst="rect">
             <a:avLst/>
@@ -11799,6 +11226,12 @@
             <a:noFill/>
           </a:ln>
         </p:spPr>
+        <p:style>
+          <a:lnRef idx="0"/>
+          <a:fillRef idx="0"/>
+          <a:effectRef idx="0"/>
+          <a:fontRef idx="minor"/>
+        </p:style>
         <p:txBody>
           <a:bodyPr lIns="0" rIns="0" tIns="0" bIns="0">
             <a:normAutofit/>
@@ -11820,10 +11253,7 @@
               <a:t>Сравнение двух моделей по F1</a:t>
             </a:r>
             <a:endParaRPr b="0" lang="ru-RU" sz="2400" spc="-1" strike="noStrike">
-              <a:solidFill>
-                <a:srgbClr val="fefffe"/>
-              </a:solidFill>
-              <a:latin typeface="CoFo Sans"/>
+              <a:latin typeface="Arial"/>
             </a:endParaRPr>
           </a:p>
         </p:txBody>
@@ -11841,7 +11271,7 @@
         <p:spPr>
           <a:xfrm>
             <a:off x="657000" y="740880"/>
-            <a:ext cx="10877760" cy="5375520"/>
+            <a:ext cx="10877400" cy="5375160"/>
           </a:xfrm>
           <a:prstGeom prst="rect">
             <a:avLst/>
@@ -11854,7 +11284,7 @@
     </p:spTree>
   </p:cSld>
   <p:transition spd="med">
-    <p:pull dir="r"/>
+    <p:pull dir="l"/>
   </p:transition>
 </p:sld>
 </file>
